--- a/papers/cloudcom10/presentation/cloudcom-panel.pptx
+++ b/papers/cloudcom10/presentation/cloudcom-panel.pptx
@@ -13,10 +13,10 @@
     <p:sldMasterId id="2147483696" r:id="rId9"/>
   </p:sldMasterIdLst>
   <p:notesMasterIdLst>
-    <p:notesMasterId r:id="rId19"/>
+    <p:notesMasterId r:id="rId16"/>
   </p:notesMasterIdLst>
   <p:handoutMasterIdLst>
-    <p:handoutMasterId r:id="rId20"/>
+    <p:handoutMasterId r:id="rId17"/>
   </p:handoutMasterIdLst>
   <p:sldIdLst>
     <p:sldId id="426" r:id="rId10"/>
@@ -25,9 +25,6 @@
     <p:sldId id="432" r:id="rId13"/>
     <p:sldId id="433" r:id="rId14"/>
     <p:sldId id="434" r:id="rId15"/>
-    <p:sldId id="436" r:id="rId16"/>
-    <p:sldId id="437" r:id="rId17"/>
-    <p:sldId id="438" r:id="rId18"/>
   </p:sldIdLst>
   <p:sldSz cx="9144000" cy="6858000" type="screen4x3"/>
   <p:notesSz cx="6858000" cy="9144000"/>
@@ -9448,11 +9445,7 @@
           <a:p>
             <a:r>
               <a:rPr lang="en-US" sz="3600" dirty="0" smtClean="0"/>
-              <a:t>Adopting </a:t>
-            </a:r>
-            <a:r>
-              <a:rPr lang="en-US" sz="3600" dirty="0" smtClean="0"/>
-              <a:t>Clouds</a:t>
+              <a:t>Adopting Clouds</a:t>
             </a:r>
           </a:p>
         </p:txBody>
@@ -9729,20 +9722,40 @@
             </a:r>
             <a:r>
               <a:rPr lang="en-US" dirty="0" smtClean="0"/>
-              <a:t>collaboration </a:t>
-            </a:r>
-          </a:p>
-          <a:p>
+              <a:t>collaboration:</a:t>
+            </a:r>
+          </a:p>
+          <a:p>
+            <a:pPr lvl="2"/>
             <a:r>
               <a:rPr lang="en-US" dirty="0" smtClean="0"/>
-              <a:t>Programming Models and RT Systems</a:t>
-            </a:r>
-          </a:p>
-          <a:p>
+              <a:t>Programming Models and RT </a:t>
+            </a:r>
             <a:r>
               <a:rPr lang="en-US" dirty="0" smtClean="0"/>
-              <a:t>Novel Usage Modes</a:t>
-            </a:r>
+              <a:t>Systems for DI Research</a:t>
+            </a:r>
+          </a:p>
+          <a:p>
+            <a:r>
+              <a:rPr lang="en-US" dirty="0" smtClean="0"/>
+              <a:t>Application Novel </a:t>
+            </a:r>
+            <a:r>
+              <a:rPr lang="en-US" dirty="0" smtClean="0"/>
+              <a:t>Usage</a:t>
+            </a:r>
+            <a:r>
+              <a:rPr lang="en-US" dirty="0" smtClean="0"/>
+              <a:t> (Execution) Modes</a:t>
+            </a:r>
+          </a:p>
+          <a:p>
+            <a:r>
+              <a:rPr lang="en-US" b="1" dirty="0" smtClean="0"/>
+              <a:t>Simplicity with Performance and Scalability</a:t>
+            </a:r>
+            <a:endParaRPr lang="en-US" b="1" dirty="0" smtClean="0"/>
           </a:p>
           <a:p>
             <a:endParaRPr lang="en-US" dirty="0" smtClean="0"/>
@@ -10295,297 +10308,6 @@
           </a:p>
         </p:txBody>
       </p:sp>
-    </p:spTree>
-  </p:cSld>
-  <p:clrMapOvr>
-    <a:masterClrMapping/>
-  </p:clrMapOvr>
-  <p:timing>
-    <p:tnLst>
-      <p:par>
-        <p:cTn id="1" dur="indefinite" restart="never" nodeType="tmRoot"/>
-      </p:par>
-    </p:tnLst>
-  </p:timing>
-</p:sld>
-</file>
-
-<file path=ppt/slides/slide7.xml><?xml version="1.0" encoding="utf-8"?>
-<p:sld xmlns:a="http://schemas.openxmlformats.org/drawingml/2006/main" xmlns:r="http://schemas.openxmlformats.org/officeDocument/2006/relationships" xmlns:mc="http://schemas.openxmlformats.org/markup-compatibility/2006" xmlns:mv="urn:schemas-microsoft-com:mac:vml" xmlns:p="http://schemas.openxmlformats.org/presentationml/2006/main" mc:Ignorable="mv" mc:PreserveAttributes="mv:*">
-  <p:cSld>
-    <p:spTree>
-      <p:nvGrpSpPr>
-        <p:cNvPr id="1" name=""/>
-        <p:cNvGrpSpPr/>
-        <p:nvPr/>
-      </p:nvGrpSpPr>
-      <p:grpSpPr>
-        <a:xfrm>
-          <a:off x="0" y="0"/>
-          <a:ext cx="0" cy="0"/>
-          <a:chOff x="0" y="0"/>
-          <a:chExt cx="0" cy="0"/>
-        </a:xfrm>
-      </p:grpSpPr>
-      <p:sp>
-        <p:nvSpPr>
-          <p:cNvPr id="4" name="Title 3"/>
-          <p:cNvSpPr>
-            <a:spLocks noGrp="1"/>
-          </p:cNvSpPr>
-          <p:nvPr>
-            <p:ph type="title"/>
-          </p:nvPr>
-        </p:nvSpPr>
-        <p:spPr/>
-        <p:txBody>
-          <a:bodyPr>
-            <a:normAutofit fontScale="90000"/>
-          </a:bodyPr>
-          <a:lstStyle/>
-          <a:p>
-            <a:r>
-              <a:rPr lang="en-US" dirty="0" smtClean="0"/>
-              <a:t>Top challenges to running own cluster</a:t>
-            </a:r>
-            <a:br>
-              <a:rPr lang="en-US" dirty="0" smtClean="0"/>
-            </a:br>
-            <a:r>
-              <a:rPr lang="en-US" sz="3111" dirty="0" smtClean="0"/>
-              <a:t>(adapted from Kathy </a:t>
-            </a:r>
-            <a:r>
-              <a:rPr lang="en-US" sz="3111" dirty="0" err="1" smtClean="0"/>
-              <a:t>Yelick</a:t>
-            </a:r>
-            <a:r>
-              <a:rPr lang="en-US" sz="3111" dirty="0" smtClean="0"/>
-              <a:t>)</a:t>
-            </a:r>
-            <a:endParaRPr lang="en-US" sz="3111" dirty="0"/>
-          </a:p>
-        </p:txBody>
-      </p:sp>
-      <p:pic>
-        <p:nvPicPr>
-          <p:cNvPr id="6" name="Content Placeholder 5" descr="topchallenge.png"/>
-          <p:cNvPicPr>
-            <a:picLocks noGrp="1" noChangeAspect="1"/>
-          </p:cNvPicPr>
-          <p:nvPr>
-            <p:ph idx="1"/>
-          </p:nvPr>
-        </p:nvPicPr>
-        <p:blipFill>
-          <a:blip r:embed="rId2"/>
-          <a:srcRect t="-2355" b="-2355"/>
-          <a:stretch>
-            <a:fillRect/>
-          </a:stretch>
-        </p:blipFill>
-        <p:spPr/>
-      </p:pic>
-    </p:spTree>
-  </p:cSld>
-  <p:clrMapOvr>
-    <a:masterClrMapping/>
-  </p:clrMapOvr>
-  <p:timing>
-    <p:tnLst>
-      <p:par>
-        <p:cTn id="1" dur="indefinite" restart="never" nodeType="tmRoot"/>
-      </p:par>
-    </p:tnLst>
-  </p:timing>
-</p:sld>
-</file>
-
-<file path=ppt/slides/slide8.xml><?xml version="1.0" encoding="utf-8"?>
-<p:sld xmlns:a="http://schemas.openxmlformats.org/drawingml/2006/main" xmlns:r="http://schemas.openxmlformats.org/officeDocument/2006/relationships" xmlns:mc="http://schemas.openxmlformats.org/markup-compatibility/2006" xmlns:mv="urn:schemas-microsoft-com:mac:vml" xmlns:p="http://schemas.openxmlformats.org/presentationml/2006/main" mc:Ignorable="mv" mc:PreserveAttributes="mv:*">
-  <p:cSld>
-    <p:spTree>
-      <p:nvGrpSpPr>
-        <p:cNvPr id="1" name=""/>
-        <p:cNvGrpSpPr/>
-        <p:nvPr/>
-      </p:nvGrpSpPr>
-      <p:grpSpPr>
-        <a:xfrm>
-          <a:off x="0" y="0"/>
-          <a:ext cx="0" cy="0"/>
-          <a:chOff x="0" y="0"/>
-          <a:chExt cx="0" cy="0"/>
-        </a:xfrm>
-      </p:grpSpPr>
-      <p:sp>
-        <p:nvSpPr>
-          <p:cNvPr id="4" name="Title 3"/>
-          <p:cNvSpPr>
-            <a:spLocks noGrp="1"/>
-          </p:cNvSpPr>
-          <p:nvPr>
-            <p:ph type="title"/>
-          </p:nvPr>
-        </p:nvSpPr>
-        <p:spPr>
-          <a:xfrm>
-            <a:off x="457200" y="134939"/>
-            <a:ext cx="8229600" cy="1143000"/>
-          </a:xfrm>
-        </p:spPr>
-        <p:txBody>
-          <a:bodyPr>
-            <a:normAutofit fontScale="90000"/>
-          </a:bodyPr>
-          <a:lstStyle/>
-          <a:p>
-            <a:r>
-              <a:rPr lang="en-US" sz="4000" dirty="0" smtClean="0"/>
-              <a:t>Cloud Computing: Enabling Technologies</a:t>
-            </a:r>
-            <a:br>
-              <a:rPr lang="en-US" sz="4000" dirty="0" smtClean="0"/>
-            </a:br>
-            <a:r>
-              <a:rPr lang="en-US" sz="3111" dirty="0" smtClean="0"/>
-              <a:t>(adapted from Kathy </a:t>
-            </a:r>
-            <a:r>
-              <a:rPr lang="en-US" sz="3111" dirty="0" err="1" smtClean="0"/>
-              <a:t>Yelick</a:t>
-            </a:r>
-            <a:r>
-              <a:rPr lang="en-US" sz="3111" dirty="0" smtClean="0"/>
-              <a:t>)</a:t>
-            </a:r>
-            <a:endParaRPr lang="en-US" sz="3111" dirty="0"/>
-          </a:p>
-        </p:txBody>
-      </p:sp>
-      <p:pic>
-        <p:nvPicPr>
-          <p:cNvPr id="6" name="Content Placeholder 5" descr="enablingtech.png"/>
-          <p:cNvPicPr>
-            <a:picLocks noGrp="1" noChangeAspect="1"/>
-          </p:cNvPicPr>
-          <p:nvPr>
-            <p:ph idx="1"/>
-          </p:nvPr>
-        </p:nvPicPr>
-        <p:blipFill>
-          <a:blip r:embed="rId2"/>
-          <a:srcRect l="-924" r="-924"/>
-          <a:stretch>
-            <a:fillRect/>
-          </a:stretch>
-        </p:blipFill>
-        <p:spPr>
-          <a:xfrm>
-            <a:off x="457200" y="1422401"/>
-            <a:ext cx="8229600" cy="4525963"/>
-          </a:xfrm>
-        </p:spPr>
-      </p:pic>
-    </p:spTree>
-  </p:cSld>
-  <p:clrMapOvr>
-    <a:masterClrMapping/>
-  </p:clrMapOvr>
-  <p:timing>
-    <p:tnLst>
-      <p:par>
-        <p:cTn id="1" dur="indefinite" restart="never" nodeType="tmRoot"/>
-      </p:par>
-    </p:tnLst>
-  </p:timing>
-</p:sld>
-</file>
-
-<file path=ppt/slides/slide9.xml><?xml version="1.0" encoding="utf-8"?>
-<p:sld xmlns:a="http://schemas.openxmlformats.org/drawingml/2006/main" xmlns:r="http://schemas.openxmlformats.org/officeDocument/2006/relationships" xmlns:mc="http://schemas.openxmlformats.org/markup-compatibility/2006" xmlns:mv="urn:schemas-microsoft-com:mac:vml" xmlns:p="http://schemas.openxmlformats.org/presentationml/2006/main" mc:Ignorable="mv" mc:PreserveAttributes="mv:*">
-  <p:cSld>
-    <p:spTree>
-      <p:nvGrpSpPr>
-        <p:cNvPr id="1" name=""/>
-        <p:cNvGrpSpPr/>
-        <p:nvPr/>
-      </p:nvGrpSpPr>
-      <p:grpSpPr>
-        <a:xfrm>
-          <a:off x="0" y="0"/>
-          <a:ext cx="0" cy="0"/>
-          <a:chOff x="0" y="0"/>
-          <a:chExt cx="0" cy="0"/>
-        </a:xfrm>
-      </p:grpSpPr>
-      <p:sp>
-        <p:nvSpPr>
-          <p:cNvPr id="4" name="Title 3"/>
-          <p:cNvSpPr>
-            <a:spLocks noGrp="1"/>
-          </p:cNvSpPr>
-          <p:nvPr>
-            <p:ph type="title"/>
-          </p:nvPr>
-        </p:nvSpPr>
-        <p:spPr/>
-        <p:txBody>
-          <a:bodyPr>
-            <a:normAutofit fontScale="90000"/>
-          </a:bodyPr>
-          <a:lstStyle/>
-          <a:p>
-            <a:r>
-              <a:rPr lang="en-US" dirty="0" smtClean="0"/>
-              <a:t>.. Its all about the </a:t>
-            </a:r>
-            <a:r>
-              <a:rPr lang="en-US" dirty="0" err="1" smtClean="0"/>
-              <a:t>Buisiness</a:t>
-            </a:r>
-            <a:r>
-              <a:rPr lang="en-US" dirty="0" smtClean="0"/>
-              <a:t> Model</a:t>
-            </a:r>
-            <a:br>
-              <a:rPr lang="en-US" dirty="0" smtClean="0"/>
-            </a:br>
-            <a:r>
-              <a:rPr lang="en-US" sz="3111" dirty="0" smtClean="0"/>
-              <a:t>(adapted from Kathy </a:t>
-            </a:r>
-            <a:r>
-              <a:rPr lang="en-US" sz="3111" dirty="0" err="1" smtClean="0"/>
-              <a:t>Yelick</a:t>
-            </a:r>
-            <a:r>
-              <a:rPr lang="en-US" sz="3111" dirty="0" smtClean="0"/>
-              <a:t>)</a:t>
-            </a:r>
-            <a:endParaRPr lang="en-US" sz="3111" dirty="0"/>
-          </a:p>
-        </p:txBody>
-      </p:sp>
-      <p:pic>
-        <p:nvPicPr>
-          <p:cNvPr id="6" name="Content Placeholder 5" descr="buismodel.png"/>
-          <p:cNvPicPr>
-            <a:picLocks noGrp="1" noChangeAspect="1"/>
-          </p:cNvPicPr>
-          <p:nvPr>
-            <p:ph idx="1"/>
-          </p:nvPr>
-        </p:nvPicPr>
-        <p:blipFill>
-          <a:blip r:embed="rId2"/>
-          <a:srcRect l="-679" r="-679"/>
-          <a:stretch>
-            <a:fillRect/>
-          </a:stretch>
-        </p:blipFill>
-        <p:spPr/>
-      </p:pic>
     </p:spTree>
   </p:cSld>
   <p:clrMapOvr>

--- a/papers/cloudcom10/presentation/cloudcom-panel.pptx
+++ b/papers/cloudcom10/presentation/cloudcom-panel.pptx
@@ -13,18 +13,20 @@
     <p:sldMasterId id="2147483696" r:id="rId9"/>
   </p:sldMasterIdLst>
   <p:notesMasterIdLst>
-    <p:notesMasterId r:id="rId16"/>
+    <p:notesMasterId r:id="rId18"/>
   </p:notesMasterIdLst>
   <p:handoutMasterIdLst>
-    <p:handoutMasterId r:id="rId17"/>
+    <p:handoutMasterId r:id="rId19"/>
   </p:handoutMasterIdLst>
   <p:sldIdLst>
     <p:sldId id="426" r:id="rId10"/>
-    <p:sldId id="429" r:id="rId11"/>
-    <p:sldId id="435" r:id="rId12"/>
-    <p:sldId id="432" r:id="rId13"/>
-    <p:sldId id="433" r:id="rId14"/>
-    <p:sldId id="434" r:id="rId15"/>
+    <p:sldId id="437" r:id="rId11"/>
+    <p:sldId id="429" r:id="rId12"/>
+    <p:sldId id="435" r:id="rId13"/>
+    <p:sldId id="432" r:id="rId14"/>
+    <p:sldId id="433" r:id="rId15"/>
+    <p:sldId id="434" r:id="rId16"/>
+    <p:sldId id="436" r:id="rId17"/>
   </p:sldIdLst>
   <p:sldSz cx="9144000" cy="6858000" type="screen4x3"/>
   <p:notesSz cx="6858000" cy="9144000"/>
@@ -209,7 +211,7 @@
             <a:fld id="{2B4FD171-2F60-7246-B717-058BDAB5F652}" type="datetimeFigureOut">
               <a:rPr lang="en-US" smtClean="0"/>
               <a:pPr/>
-              <a:t>11/30/10</a:t>
+              <a:t>12/1/10</a:t>
             </a:fld>
             <a:endParaRPr lang="en-US"/>
           </a:p>
@@ -372,7 +374,7 @@
             <a:fld id="{2B9B4EBD-D54C-E14F-85D3-616FB972960E}" type="datetimeFigureOut">
               <a:rPr lang="en-US" smtClean="0"/>
               <a:pPr/>
-              <a:t>11/30/10</a:t>
+              <a:t>12/1/10</a:t>
             </a:fld>
             <a:endParaRPr lang="en-US"/>
           </a:p>
@@ -639,6 +641,139 @@
 </p:notesMaster>
 </file>
 
+<file path=ppt/notesSlides/notesSlide1.xml><?xml version="1.0" encoding="utf-8"?>
+<p:notes xmlns:a="http://schemas.openxmlformats.org/drawingml/2006/main" xmlns:r="http://schemas.openxmlformats.org/officeDocument/2006/relationships" xmlns:mc="http://schemas.openxmlformats.org/markup-compatibility/2006" xmlns:mv="urn:schemas-microsoft-com:mac:vml" xmlns:p="http://schemas.openxmlformats.org/presentationml/2006/main" mc:Ignorable="mv" mc:PreserveAttributes="mv:*">
+  <p:cSld>
+    <p:spTree>
+      <p:nvGrpSpPr>
+        <p:cNvPr id="1" name=""/>
+        <p:cNvGrpSpPr/>
+        <p:nvPr/>
+      </p:nvGrpSpPr>
+      <p:grpSpPr>
+        <a:xfrm>
+          <a:off x="0" y="0"/>
+          <a:ext cx="0" cy="0"/>
+          <a:chOff x="0" y="0"/>
+          <a:chExt cx="0" cy="0"/>
+        </a:xfrm>
+      </p:grpSpPr>
+      <p:sp>
+        <p:nvSpPr>
+          <p:cNvPr id="2" name="Slide Image Placeholder 1"/>
+          <p:cNvSpPr>
+            <a:spLocks noGrp="1" noRot="1" noChangeAspect="1"/>
+          </p:cNvSpPr>
+          <p:nvPr>
+            <p:ph type="sldImg"/>
+          </p:nvPr>
+        </p:nvSpPr>
+        <p:spPr/>
+      </p:sp>
+      <p:sp>
+        <p:nvSpPr>
+          <p:cNvPr id="3" name="Notes Placeholder 2"/>
+          <p:cNvSpPr>
+            <a:spLocks noGrp="1"/>
+          </p:cNvSpPr>
+          <p:nvPr>
+            <p:ph type="body" idx="1"/>
+          </p:nvPr>
+        </p:nvSpPr>
+        <p:spPr/>
+        <p:txBody>
+          <a:bodyPr>
+            <a:normAutofit/>
+          </a:bodyPr>
+          <a:lstStyle/>
+          <a:p>
+            <a:r>
+              <a:rPr lang="en-US" dirty="0" smtClean="0"/>
+              <a:t>Will focus on SW</a:t>
+            </a:r>
+            <a:r>
+              <a:rPr lang="en-US" baseline="0" dirty="0" smtClean="0"/>
+              <a:t> environments and control/ease of deployment</a:t>
+            </a:r>
+          </a:p>
+          <a:p>
+            <a:endParaRPr lang="en-US" baseline="0" dirty="0" smtClean="0"/>
+          </a:p>
+          <a:p>
+            <a:r>
+              <a:rPr lang="en-US" dirty="0" smtClean="0"/>
+              <a:t>Programming</a:t>
+            </a:r>
+            <a:r>
+              <a:rPr lang="en-US" baseline="0" dirty="0" smtClean="0"/>
+              <a:t> Model  --- not necessarily Cloud-based,  Confusing Good/Efficient Implementation with their validity!!</a:t>
+            </a:r>
+          </a:p>
+          <a:p>
+            <a:endParaRPr lang="en-US" baseline="0" dirty="0" smtClean="0"/>
+          </a:p>
+          <a:p>
+            <a:r>
+              <a:rPr lang="en-US" baseline="0" dirty="0" smtClean="0"/>
+              <a:t>Access to “on-demand” – nothing unique about Clouds: It’s a </a:t>
+            </a:r>
+            <a:r>
+              <a:rPr lang="en-US" baseline="0" dirty="0" err="1" smtClean="0"/>
+              <a:t>buisness</a:t>
+            </a:r>
+            <a:r>
+              <a:rPr lang="en-US" baseline="0" dirty="0" smtClean="0"/>
+              <a:t> model, it’s a policy issue</a:t>
+            </a:r>
+          </a:p>
+          <a:p>
+            <a:endParaRPr lang="en-US" dirty="0" smtClean="0"/>
+          </a:p>
+          <a:p>
+            <a:r>
+              <a:rPr lang="en-US" dirty="0" smtClean="0"/>
+              <a:t>“Exclusive Access” – or</a:t>
+            </a:r>
+            <a:r>
+              <a:rPr lang="en-US" baseline="0" dirty="0" smtClean="0"/>
+              <a:t> the abstraction of it..</a:t>
+            </a:r>
+            <a:endParaRPr lang="en-US" dirty="0"/>
+          </a:p>
+        </p:txBody>
+      </p:sp>
+      <p:sp>
+        <p:nvSpPr>
+          <p:cNvPr id="4" name="Slide Number Placeholder 3"/>
+          <p:cNvSpPr>
+            <a:spLocks noGrp="1"/>
+          </p:cNvSpPr>
+          <p:nvPr>
+            <p:ph type="sldNum" sz="quarter" idx="10"/>
+          </p:nvPr>
+        </p:nvSpPr>
+        <p:spPr/>
+        <p:txBody>
+          <a:bodyPr/>
+          <a:lstStyle/>
+          <a:p>
+            <a:fld id="{41C4EC5A-7387-6A42-A4C9-4EED17AAC31A}" type="slidenum">
+              <a:rPr lang="en-US" smtClean="0"/>
+              <a:pPr/>
+              <a:t>3</a:t>
+            </a:fld>
+            <a:endParaRPr lang="en-US"/>
+          </a:p>
+        </p:txBody>
+      </p:sp>
+    </p:spTree>
+  </p:cSld>
+  <p:clrMapOvr>
+    <a:masterClrMapping/>
+  </p:clrMapOvr>
+</p:notes>
+</file>
+
 <file path=ppt/slideLayouts/slideLayout1.xml><?xml version="1.0" encoding="utf-8"?>
 <p:sldLayout xmlns:a="http://schemas.openxmlformats.org/drawingml/2006/main" xmlns:r="http://schemas.openxmlformats.org/officeDocument/2006/relationships" xmlns:mc="http://schemas.openxmlformats.org/markup-compatibility/2006" xmlns:mv="urn:schemas-microsoft-com:mac:vml" xmlns:p="http://schemas.openxmlformats.org/presentationml/2006/main" mc:Ignorable="mv" mc:PreserveAttributes="mv:*" type="title" preserve="1">
   <p:cSld name="Title Slide">
@@ -913,7 +1048,15 @@
             <p:ph type="dt" sz="half" idx="10"/>
           </p:nvPr>
         </p:nvSpPr>
-        <p:spPr/>
+        <p:spPr>
+          <a:xfrm>
+            <a:off x="5401359" y="6356352"/>
+            <a:ext cx="2133600" cy="365125"/>
+          </a:xfrm>
+          <a:prstGeom prst="rect">
+            <a:avLst/>
+          </a:prstGeom>
+        </p:spPr>
         <p:txBody>
           <a:bodyPr/>
           <a:lstStyle/>
@@ -932,7 +1075,15 @@
             <p:ph type="ftr" sz="quarter" idx="11"/>
           </p:nvPr>
         </p:nvSpPr>
-        <p:spPr/>
+        <p:spPr>
+          <a:xfrm>
+            <a:off x="1676400" y="6356352"/>
+            <a:ext cx="2895600" cy="365125"/>
+          </a:xfrm>
+          <a:prstGeom prst="rect">
+            <a:avLst/>
+          </a:prstGeom>
+        </p:spPr>
         <p:txBody>
           <a:bodyPr/>
           <a:lstStyle/>
@@ -955,7 +1106,15 @@
             <p:ph type="sldNum" sz="quarter" idx="12"/>
           </p:nvPr>
         </p:nvSpPr>
-        <p:spPr/>
+        <p:spPr>
+          <a:xfrm>
+            <a:off x="7956660" y="6356352"/>
+            <a:ext cx="730143" cy="365125"/>
+          </a:xfrm>
+          <a:prstGeom prst="rect">
+            <a:avLst/>
+          </a:prstGeom>
+        </p:spPr>
         <p:txBody>
           <a:bodyPr/>
           <a:lstStyle/>
@@ -1089,7 +1248,15 @@
             <p:ph type="dt" sz="half" idx="10"/>
           </p:nvPr>
         </p:nvSpPr>
-        <p:spPr/>
+        <p:spPr>
+          <a:xfrm>
+            <a:off x="5401359" y="6356352"/>
+            <a:ext cx="2133600" cy="365125"/>
+          </a:xfrm>
+          <a:prstGeom prst="rect">
+            <a:avLst/>
+          </a:prstGeom>
+        </p:spPr>
         <p:txBody>
           <a:bodyPr/>
           <a:lstStyle/>
@@ -1108,7 +1275,15 @@
             <p:ph type="ftr" sz="quarter" idx="11"/>
           </p:nvPr>
         </p:nvSpPr>
-        <p:spPr/>
+        <p:spPr>
+          <a:xfrm>
+            <a:off x="1676400" y="6356352"/>
+            <a:ext cx="2895600" cy="365125"/>
+          </a:xfrm>
+          <a:prstGeom prst="rect">
+            <a:avLst/>
+          </a:prstGeom>
+        </p:spPr>
         <p:txBody>
           <a:bodyPr/>
           <a:lstStyle/>
@@ -1131,7 +1306,15 @@
             <p:ph type="sldNum" sz="quarter" idx="12"/>
           </p:nvPr>
         </p:nvSpPr>
-        <p:spPr/>
+        <p:spPr>
+          <a:xfrm>
+            <a:off x="7956660" y="6356352"/>
+            <a:ext cx="730143" cy="365125"/>
+          </a:xfrm>
+          <a:prstGeom prst="rect">
+            <a:avLst/>
+          </a:prstGeom>
+        </p:spPr>
         <p:txBody>
           <a:bodyPr/>
           <a:lstStyle/>
@@ -1558,7 +1741,7 @@
             <a:fld id="{AA29C62F-8FD5-477F-8E69-EB7E6EDA096D}" type="datetimeFigureOut">
               <a:rPr lang="en-US" smtClean="0"/>
               <a:pPr/>
-              <a:t>11/30/10</a:t>
+              <a:t>12/1/10</a:t>
             </a:fld>
             <a:endParaRPr lang="en-US"/>
           </a:p>
@@ -1749,7 +1932,7 @@
             <a:fld id="{AA29C62F-8FD5-477F-8E69-EB7E6EDA096D}" type="datetimeFigureOut">
               <a:rPr lang="en-US" smtClean="0"/>
               <a:pPr/>
-              <a:t>11/30/10</a:t>
+              <a:t>12/1/10</a:t>
             </a:fld>
             <a:endParaRPr lang="en-US"/>
           </a:p>
@@ -1980,7 +2163,7 @@
             <a:fld id="{4C4AD4EB-88D0-C141-9474-CCD86A78CB94}" type="datetimeFigureOut">
               <a:rPr lang="en-US" smtClean="0"/>
               <a:pPr/>
-              <a:t>11/30/10</a:t>
+              <a:t>12/1/10</a:t>
             </a:fld>
             <a:endParaRPr lang="en-US"/>
           </a:p>
@@ -2008,6 +2191,300 @@
       <p:sp>
         <p:nvSpPr>
           <p:cNvPr id="6" name="Slide Number Placeholder 5"/>
+          <p:cNvSpPr>
+            <a:spLocks noGrp="1"/>
+          </p:cNvSpPr>
+          <p:nvPr>
+            <p:ph type="sldNum" sz="quarter" idx="12"/>
+          </p:nvPr>
+        </p:nvSpPr>
+        <p:spPr/>
+        <p:txBody>
+          <a:bodyPr/>
+          <a:lstStyle/>
+          <a:p>
+            <a:fld id="{DF7665AF-92BA-E649-941D-268879B3EA81}" type="slidenum">
+              <a:rPr lang="en-US" smtClean="0"/>
+              <a:pPr/>
+              <a:t>‹#›</a:t>
+            </a:fld>
+            <a:endParaRPr lang="en-US"/>
+          </a:p>
+        </p:txBody>
+      </p:sp>
+    </p:spTree>
+  </p:cSld>
+  <p:clrMapOvr>
+    <a:masterClrMapping/>
+  </p:clrMapOvr>
+</p:sldLayout>
+</file>
+
+<file path=ppt/slideLayouts/slideLayout16.xml><?xml version="1.0" encoding="utf-8"?>
+<p:sldLayout xmlns:a="http://schemas.openxmlformats.org/drawingml/2006/main" xmlns:r="http://schemas.openxmlformats.org/officeDocument/2006/relationships" xmlns:mc="http://schemas.openxmlformats.org/markup-compatibility/2006" xmlns:mv="urn:schemas-microsoft-com:mac:vml" xmlns:p="http://schemas.openxmlformats.org/presentationml/2006/main" mc:Ignorable="mv" mc:PreserveAttributes="mv:*" type="twoObj">
+  <p:cSld name="Two Content">
+    <p:spTree>
+      <p:nvGrpSpPr>
+        <p:cNvPr id="1" name=""/>
+        <p:cNvGrpSpPr/>
+        <p:nvPr/>
+      </p:nvGrpSpPr>
+      <p:grpSpPr>
+        <a:xfrm>
+          <a:off x="0" y="0"/>
+          <a:ext cx="0" cy="0"/>
+          <a:chOff x="0" y="0"/>
+          <a:chExt cx="0" cy="0"/>
+        </a:xfrm>
+      </p:grpSpPr>
+      <p:sp>
+        <p:nvSpPr>
+          <p:cNvPr id="2" name="Title 1"/>
+          <p:cNvSpPr>
+            <a:spLocks noGrp="1"/>
+          </p:cNvSpPr>
+          <p:nvPr>
+            <p:ph type="title"/>
+          </p:nvPr>
+        </p:nvSpPr>
+        <p:spPr/>
+        <p:txBody>
+          <a:bodyPr/>
+          <a:lstStyle/>
+          <a:p>
+            <a:r>
+              <a:rPr lang="en-US" smtClean="0"/>
+              <a:t>Click to edit Master title style</a:t>
+            </a:r>
+            <a:endParaRPr/>
+          </a:p>
+        </p:txBody>
+      </p:sp>
+      <p:sp>
+        <p:nvSpPr>
+          <p:cNvPr id="3" name="Content Placeholder 2"/>
+          <p:cNvSpPr>
+            <a:spLocks noGrp="1"/>
+          </p:cNvSpPr>
+          <p:nvPr>
+            <p:ph sz="half" idx="1"/>
+          </p:nvPr>
+        </p:nvSpPr>
+        <p:spPr>
+          <a:xfrm>
+            <a:off x="1117600" y="2595563"/>
+            <a:ext cx="3566160" cy="3681412"/>
+          </a:xfrm>
+        </p:spPr>
+        <p:txBody>
+          <a:bodyPr>
+            <a:normAutofit/>
+          </a:bodyPr>
+          <a:lstStyle>
+            <a:lvl1pPr>
+              <a:defRPr sz="1800"/>
+            </a:lvl1pPr>
+            <a:lvl2pPr>
+              <a:defRPr sz="1800"/>
+            </a:lvl2pPr>
+            <a:lvl3pPr>
+              <a:defRPr sz="1800"/>
+            </a:lvl3pPr>
+            <a:lvl4pPr>
+              <a:defRPr sz="1800"/>
+            </a:lvl4pPr>
+            <a:lvl5pPr>
+              <a:defRPr sz="1800"/>
+            </a:lvl5pPr>
+            <a:lvl6pPr>
+              <a:defRPr sz="1800"/>
+            </a:lvl6pPr>
+            <a:lvl7pPr>
+              <a:defRPr sz="1800"/>
+            </a:lvl7pPr>
+            <a:lvl8pPr>
+              <a:defRPr sz="1800"/>
+            </a:lvl8pPr>
+            <a:lvl9pPr>
+              <a:defRPr sz="1800"/>
+            </a:lvl9pPr>
+          </a:lstStyle>
+          <a:p>
+            <a:pPr lvl="0"/>
+            <a:r>
+              <a:rPr lang="en-US" smtClean="0"/>
+              <a:t>Click to edit Master text styles</a:t>
+            </a:r>
+          </a:p>
+          <a:p>
+            <a:pPr lvl="1"/>
+            <a:r>
+              <a:rPr lang="en-US" smtClean="0"/>
+              <a:t>Second level</a:t>
+            </a:r>
+          </a:p>
+          <a:p>
+            <a:pPr lvl="2"/>
+            <a:r>
+              <a:rPr lang="en-US" smtClean="0"/>
+              <a:t>Third level</a:t>
+            </a:r>
+          </a:p>
+          <a:p>
+            <a:pPr lvl="3"/>
+            <a:r>
+              <a:rPr lang="en-US" smtClean="0"/>
+              <a:t>Fourth level</a:t>
+            </a:r>
+          </a:p>
+          <a:p>
+            <a:pPr lvl="4"/>
+            <a:r>
+              <a:rPr lang="en-US" smtClean="0"/>
+              <a:t>Fifth level</a:t>
+            </a:r>
+            <a:endParaRPr/>
+          </a:p>
+        </p:txBody>
+      </p:sp>
+      <p:sp>
+        <p:nvSpPr>
+          <p:cNvPr id="4" name="Content Placeholder 3"/>
+          <p:cNvSpPr>
+            <a:spLocks noGrp="1"/>
+          </p:cNvSpPr>
+          <p:nvPr>
+            <p:ph sz="half" idx="2"/>
+          </p:nvPr>
+        </p:nvSpPr>
+        <p:spPr>
+          <a:xfrm>
+            <a:off x="5147534" y="2595563"/>
+            <a:ext cx="3566160" cy="3681412"/>
+          </a:xfrm>
+        </p:spPr>
+        <p:txBody>
+          <a:bodyPr>
+            <a:normAutofit/>
+          </a:bodyPr>
+          <a:lstStyle>
+            <a:lvl1pPr>
+              <a:defRPr sz="1800"/>
+            </a:lvl1pPr>
+            <a:lvl2pPr>
+              <a:defRPr sz="1800"/>
+            </a:lvl2pPr>
+            <a:lvl3pPr>
+              <a:defRPr sz="1800"/>
+            </a:lvl3pPr>
+            <a:lvl4pPr>
+              <a:defRPr sz="1800"/>
+            </a:lvl4pPr>
+            <a:lvl5pPr>
+              <a:defRPr sz="1800"/>
+            </a:lvl5pPr>
+            <a:lvl6pPr>
+              <a:defRPr sz="1800"/>
+            </a:lvl6pPr>
+            <a:lvl7pPr>
+              <a:defRPr sz="1800"/>
+            </a:lvl7pPr>
+            <a:lvl8pPr>
+              <a:defRPr sz="1800"/>
+            </a:lvl8pPr>
+            <a:lvl9pPr>
+              <a:defRPr sz="1800"/>
+            </a:lvl9pPr>
+          </a:lstStyle>
+          <a:p>
+            <a:pPr lvl="0"/>
+            <a:r>
+              <a:rPr lang="en-US" smtClean="0"/>
+              <a:t>Click to edit Master text styles</a:t>
+            </a:r>
+          </a:p>
+          <a:p>
+            <a:pPr lvl="1"/>
+            <a:r>
+              <a:rPr lang="en-US" smtClean="0"/>
+              <a:t>Second level</a:t>
+            </a:r>
+          </a:p>
+          <a:p>
+            <a:pPr lvl="2"/>
+            <a:r>
+              <a:rPr lang="en-US" smtClean="0"/>
+              <a:t>Third level</a:t>
+            </a:r>
+          </a:p>
+          <a:p>
+            <a:pPr lvl="3"/>
+            <a:r>
+              <a:rPr lang="en-US" smtClean="0"/>
+              <a:t>Fourth level</a:t>
+            </a:r>
+          </a:p>
+          <a:p>
+            <a:pPr lvl="4"/>
+            <a:r>
+              <a:rPr lang="en-US" smtClean="0"/>
+              <a:t>Fifth level</a:t>
+            </a:r>
+            <a:endParaRPr/>
+          </a:p>
+        </p:txBody>
+      </p:sp>
+      <p:sp>
+        <p:nvSpPr>
+          <p:cNvPr id="5" name="Date Placeholder 4"/>
+          <p:cNvSpPr>
+            <a:spLocks noGrp="1"/>
+          </p:cNvSpPr>
+          <p:nvPr>
+            <p:ph type="dt" sz="half" idx="10"/>
+          </p:nvPr>
+        </p:nvSpPr>
+        <p:spPr>
+          <a:xfrm>
+            <a:off x="6580094" y="188259"/>
+            <a:ext cx="2133600" cy="365125"/>
+          </a:xfrm>
+        </p:spPr>
+        <p:txBody>
+          <a:bodyPr/>
+          <a:lstStyle/>
+          <a:p>
+            <a:fld id="{4C4AD4EB-88D0-C141-9474-CCD86A78CB94}" type="datetimeFigureOut">
+              <a:rPr lang="en-US" smtClean="0"/>
+              <a:pPr/>
+              <a:t>12/1/10</a:t>
+            </a:fld>
+            <a:endParaRPr lang="en-US"/>
+          </a:p>
+        </p:txBody>
+      </p:sp>
+      <p:sp>
+        <p:nvSpPr>
+          <p:cNvPr id="6" name="Footer Placeholder 5"/>
+          <p:cNvSpPr>
+            <a:spLocks noGrp="1"/>
+          </p:cNvSpPr>
+          <p:nvPr>
+            <p:ph type="ftr" sz="quarter" idx="11"/>
+          </p:nvPr>
+        </p:nvSpPr>
+        <p:spPr/>
+        <p:txBody>
+          <a:bodyPr/>
+          <a:lstStyle/>
+          <a:p>
+            <a:endParaRPr lang="en-US"/>
+          </a:p>
+        </p:txBody>
+      </p:sp>
+      <p:sp>
+        <p:nvSpPr>
+          <p:cNvPr id="7" name="Slide Number Placeholder 6"/>
           <p:cNvSpPr>
             <a:spLocks noGrp="1"/>
           </p:cNvSpPr>
@@ -2131,38 +2608,6 @@
       </p:sp>
       <p:sp>
         <p:nvSpPr>
-          <p:cNvPr id="5" name="Footer Placeholder 4"/>
-          <p:cNvSpPr>
-            <a:spLocks noGrp="1"/>
-          </p:cNvSpPr>
-          <p:nvPr>
-            <p:ph type="ftr" sz="quarter" idx="11"/>
-          </p:nvPr>
-        </p:nvSpPr>
-        <p:spPr>
-          <a:xfrm>
-            <a:off x="3124200" y="6356352"/>
-            <a:ext cx="2895600" cy="365125"/>
-          </a:xfrm>
-        </p:spPr>
-        <p:txBody>
-          <a:bodyPr/>
-          <a:lstStyle>
-            <a:lvl1pPr algn="ctr">
-              <a:defRPr/>
-            </a:lvl1pPr>
-          </a:lstStyle>
-          <a:p>
-            <a:r>
-              <a:rPr lang="en-US" smtClean="0"/>
-              <a:t>CSC 7700: Scientific Computing</a:t>
-            </a:r>
-            <a:endParaRPr lang="en-US" dirty="0"/>
-          </a:p>
-        </p:txBody>
-      </p:sp>
-      <p:sp>
-        <p:nvSpPr>
           <p:cNvPr id="6" name="Slide Number Placeholder 5"/>
           <p:cNvSpPr>
             <a:spLocks noGrp="1"/>
@@ -2171,7 +2616,15 @@
             <p:ph type="sldNum" sz="quarter" idx="12"/>
           </p:nvPr>
         </p:nvSpPr>
-        <p:spPr/>
+        <p:spPr>
+          <a:xfrm>
+            <a:off x="7956660" y="6356352"/>
+            <a:ext cx="730143" cy="365125"/>
+          </a:xfrm>
+          <a:prstGeom prst="rect">
+            <a:avLst/>
+          </a:prstGeom>
+        </p:spPr>
         <p:txBody>
           <a:bodyPr/>
           <a:lstStyle/>
@@ -2371,7 +2824,15 @@
             <p:ph type="dt" sz="half" idx="10"/>
           </p:nvPr>
         </p:nvSpPr>
-        <p:spPr/>
+        <p:spPr>
+          <a:xfrm>
+            <a:off x="5401359" y="6356352"/>
+            <a:ext cx="2133600" cy="365125"/>
+          </a:xfrm>
+          <a:prstGeom prst="rect">
+            <a:avLst/>
+          </a:prstGeom>
+        </p:spPr>
         <p:txBody>
           <a:bodyPr/>
           <a:lstStyle/>
@@ -2390,7 +2851,15 @@
             <p:ph type="ftr" sz="quarter" idx="11"/>
           </p:nvPr>
         </p:nvSpPr>
-        <p:spPr/>
+        <p:spPr>
+          <a:xfrm>
+            <a:off x="1676400" y="6356352"/>
+            <a:ext cx="2895600" cy="365125"/>
+          </a:xfrm>
+          <a:prstGeom prst="rect">
+            <a:avLst/>
+          </a:prstGeom>
+        </p:spPr>
         <p:txBody>
           <a:bodyPr/>
           <a:lstStyle/>
@@ -2413,7 +2882,15 @@
             <p:ph type="sldNum" sz="quarter" idx="12"/>
           </p:nvPr>
         </p:nvSpPr>
-        <p:spPr/>
+        <p:spPr>
+          <a:xfrm>
+            <a:off x="7956660" y="6356352"/>
+            <a:ext cx="730143" cy="365125"/>
+          </a:xfrm>
+          <a:prstGeom prst="rect">
+            <a:avLst/>
+          </a:prstGeom>
+        </p:spPr>
         <p:txBody>
           <a:bodyPr/>
           <a:lstStyle/>
@@ -2660,6 +3137,9 @@
             <a:off x="3124200" y="6356352"/>
             <a:ext cx="2895600" cy="365125"/>
           </a:xfrm>
+          <a:prstGeom prst="rect">
+            <a:avLst/>
+          </a:prstGeom>
         </p:spPr>
         <p:txBody>
           <a:bodyPr/>
@@ -2683,7 +3163,15 @@
             <p:ph type="sldNum" sz="quarter" idx="12"/>
           </p:nvPr>
         </p:nvSpPr>
-        <p:spPr/>
+        <p:spPr>
+          <a:xfrm>
+            <a:off x="7956660" y="6356352"/>
+            <a:ext cx="730143" cy="365125"/>
+          </a:xfrm>
+          <a:prstGeom prst="rect">
+            <a:avLst/>
+          </a:prstGeom>
+        </p:spPr>
         <p:txBody>
           <a:bodyPr/>
           <a:lstStyle/>
@@ -3088,6 +3576,9 @@
             <a:off x="3124200" y="6356352"/>
             <a:ext cx="2895600" cy="365125"/>
           </a:xfrm>
+          <a:prstGeom prst="rect">
+            <a:avLst/>
+          </a:prstGeom>
         </p:spPr>
         <p:txBody>
           <a:bodyPr/>
@@ -3111,7 +3602,15 @@
             <p:ph type="sldNum" sz="quarter" idx="12"/>
           </p:nvPr>
         </p:nvSpPr>
-        <p:spPr/>
+        <p:spPr>
+          <a:xfrm>
+            <a:off x="7956660" y="6356352"/>
+            <a:ext cx="730143" cy="365125"/>
+          </a:xfrm>
+          <a:prstGeom prst="rect">
+            <a:avLst/>
+          </a:prstGeom>
+        </p:spPr>
         <p:txBody>
           <a:bodyPr/>
           <a:lstStyle/>
@@ -3207,7 +3706,15 @@
             <p:ph type="dt" sz="half" idx="10"/>
           </p:nvPr>
         </p:nvSpPr>
-        <p:spPr/>
+        <p:spPr>
+          <a:xfrm>
+            <a:off x="5401359" y="6356352"/>
+            <a:ext cx="2133600" cy="365125"/>
+          </a:xfrm>
+          <a:prstGeom prst="rect">
+            <a:avLst/>
+          </a:prstGeom>
+        </p:spPr>
         <p:txBody>
           <a:bodyPr/>
           <a:lstStyle/>
@@ -3226,7 +3733,15 @@
             <p:ph type="ftr" sz="quarter" idx="11"/>
           </p:nvPr>
         </p:nvSpPr>
-        <p:spPr/>
+        <p:spPr>
+          <a:xfrm>
+            <a:off x="1676400" y="6356352"/>
+            <a:ext cx="2895600" cy="365125"/>
+          </a:xfrm>
+          <a:prstGeom prst="rect">
+            <a:avLst/>
+          </a:prstGeom>
+        </p:spPr>
         <p:txBody>
           <a:bodyPr/>
           <a:lstStyle/>
@@ -3249,7 +3764,15 @@
             <p:ph type="sldNum" sz="quarter" idx="12"/>
           </p:nvPr>
         </p:nvSpPr>
-        <p:spPr/>
+        <p:spPr>
+          <a:xfrm>
+            <a:off x="7956660" y="6356352"/>
+            <a:ext cx="730143" cy="365125"/>
+          </a:xfrm>
+          <a:prstGeom prst="rect">
+            <a:avLst/>
+          </a:prstGeom>
+        </p:spPr>
         <p:txBody>
           <a:bodyPr/>
           <a:lstStyle/>
@@ -3298,7 +3821,15 @@
             <p:ph type="dt" sz="half" idx="10"/>
           </p:nvPr>
         </p:nvSpPr>
-        <p:spPr/>
+        <p:spPr>
+          <a:xfrm>
+            <a:off x="5401359" y="6356352"/>
+            <a:ext cx="2133600" cy="365125"/>
+          </a:xfrm>
+          <a:prstGeom prst="rect">
+            <a:avLst/>
+          </a:prstGeom>
+        </p:spPr>
         <p:txBody>
           <a:bodyPr/>
           <a:lstStyle/>
@@ -3317,7 +3848,15 @@
             <p:ph type="ftr" sz="quarter" idx="11"/>
           </p:nvPr>
         </p:nvSpPr>
-        <p:spPr/>
+        <p:spPr>
+          <a:xfrm>
+            <a:off x="1676400" y="6356352"/>
+            <a:ext cx="2895600" cy="365125"/>
+          </a:xfrm>
+          <a:prstGeom prst="rect">
+            <a:avLst/>
+          </a:prstGeom>
+        </p:spPr>
         <p:txBody>
           <a:bodyPr/>
           <a:lstStyle/>
@@ -3340,7 +3879,15 @@
             <p:ph type="sldNum" sz="quarter" idx="12"/>
           </p:nvPr>
         </p:nvSpPr>
-        <p:spPr/>
+        <p:spPr>
+          <a:xfrm>
+            <a:off x="7956660" y="6356352"/>
+            <a:ext cx="730143" cy="365125"/>
+          </a:xfrm>
+          <a:prstGeom prst="rect">
+            <a:avLst/>
+          </a:prstGeom>
+        </p:spPr>
         <p:txBody>
           <a:bodyPr/>
           <a:lstStyle/>
@@ -3571,7 +4118,15 @@
             <p:ph type="dt" sz="half" idx="10"/>
           </p:nvPr>
         </p:nvSpPr>
-        <p:spPr/>
+        <p:spPr>
+          <a:xfrm>
+            <a:off x="5401359" y="6356352"/>
+            <a:ext cx="2133600" cy="365125"/>
+          </a:xfrm>
+          <a:prstGeom prst="rect">
+            <a:avLst/>
+          </a:prstGeom>
+        </p:spPr>
         <p:txBody>
           <a:bodyPr/>
           <a:lstStyle/>
@@ -3590,7 +4145,15 @@
             <p:ph type="ftr" sz="quarter" idx="11"/>
           </p:nvPr>
         </p:nvSpPr>
-        <p:spPr/>
+        <p:spPr>
+          <a:xfrm>
+            <a:off x="1676400" y="6356352"/>
+            <a:ext cx="2895600" cy="365125"/>
+          </a:xfrm>
+          <a:prstGeom prst="rect">
+            <a:avLst/>
+          </a:prstGeom>
+        </p:spPr>
         <p:txBody>
           <a:bodyPr/>
           <a:lstStyle/>
@@ -3613,7 +4176,15 @@
             <p:ph type="sldNum" sz="quarter" idx="12"/>
           </p:nvPr>
         </p:nvSpPr>
-        <p:spPr/>
+        <p:spPr>
+          <a:xfrm>
+            <a:off x="7956660" y="6356352"/>
+            <a:ext cx="730143" cy="365125"/>
+          </a:xfrm>
+          <a:prstGeom prst="rect">
+            <a:avLst/>
+          </a:prstGeom>
+        </p:spPr>
         <p:txBody>
           <a:bodyPr/>
           <a:lstStyle/>
@@ -3820,7 +4391,15 @@
             <p:ph type="dt" sz="half" idx="10"/>
           </p:nvPr>
         </p:nvSpPr>
-        <p:spPr/>
+        <p:spPr>
+          <a:xfrm>
+            <a:off x="5401359" y="6356352"/>
+            <a:ext cx="2133600" cy="365125"/>
+          </a:xfrm>
+          <a:prstGeom prst="rect">
+            <a:avLst/>
+          </a:prstGeom>
+        </p:spPr>
         <p:txBody>
           <a:bodyPr/>
           <a:lstStyle/>
@@ -3839,7 +4418,15 @@
             <p:ph type="ftr" sz="quarter" idx="11"/>
           </p:nvPr>
         </p:nvSpPr>
-        <p:spPr/>
+        <p:spPr>
+          <a:xfrm>
+            <a:off x="1676400" y="6356352"/>
+            <a:ext cx="2895600" cy="365125"/>
+          </a:xfrm>
+          <a:prstGeom prst="rect">
+            <a:avLst/>
+          </a:prstGeom>
+        </p:spPr>
         <p:txBody>
           <a:bodyPr/>
           <a:lstStyle/>
@@ -3862,7 +4449,15 @@
             <p:ph type="sldNum" sz="quarter" idx="12"/>
           </p:nvPr>
         </p:nvSpPr>
-        <p:spPr/>
+        <p:spPr>
+          <a:xfrm>
+            <a:off x="7956660" y="6356352"/>
+            <a:ext cx="730143" cy="365125"/>
+          </a:xfrm>
+          <a:prstGeom prst="rect">
+            <a:avLst/>
+          </a:prstGeom>
+        </p:spPr>
         <p:txBody>
           <a:bodyPr/>
           <a:lstStyle/>
@@ -3997,126 +4592,6 @@
               <a:rPr lang="en-US" dirty="0" smtClean="0"/>
               <a:t>Fifth level</a:t>
             </a:r>
-            <a:endParaRPr lang="en-US" dirty="0"/>
-          </a:p>
-        </p:txBody>
-      </p:sp>
-      <p:sp>
-        <p:nvSpPr>
-          <p:cNvPr id="4" name="Date Placeholder 3"/>
-          <p:cNvSpPr>
-            <a:spLocks noGrp="1"/>
-          </p:cNvSpPr>
-          <p:nvPr>
-            <p:ph type="dt" sz="half" idx="2"/>
-          </p:nvPr>
-        </p:nvSpPr>
-        <p:spPr>
-          <a:xfrm>
-            <a:off x="5401359" y="6356352"/>
-            <a:ext cx="2133600" cy="365125"/>
-          </a:xfrm>
-          <a:prstGeom prst="rect">
-            <a:avLst/>
-          </a:prstGeom>
-        </p:spPr>
-        <p:txBody>
-          <a:bodyPr vert="horz" lIns="91440" tIns="45720" rIns="91440" bIns="45720" rtlCol="0" anchor="ctr"/>
-          <a:lstStyle>
-            <a:lvl1pPr algn="l">
-              <a:defRPr sz="1200">
-                <a:solidFill>
-                  <a:schemeClr val="tx1">
-                    <a:tint val="75000"/>
-                  </a:schemeClr>
-                </a:solidFill>
-              </a:defRPr>
-            </a:lvl1pPr>
-          </a:lstStyle>
-          <a:p>
-            <a:endParaRPr lang="en-US" dirty="0"/>
-          </a:p>
-        </p:txBody>
-      </p:sp>
-      <p:sp>
-        <p:nvSpPr>
-          <p:cNvPr id="5" name="Footer Placeholder 4"/>
-          <p:cNvSpPr>
-            <a:spLocks noGrp="1"/>
-          </p:cNvSpPr>
-          <p:nvPr>
-            <p:ph type="ftr" sz="quarter" idx="3"/>
-          </p:nvPr>
-        </p:nvSpPr>
-        <p:spPr>
-          <a:xfrm>
-            <a:off x="1676400" y="6356352"/>
-            <a:ext cx="2895600" cy="365125"/>
-          </a:xfrm>
-          <a:prstGeom prst="rect">
-            <a:avLst/>
-          </a:prstGeom>
-        </p:spPr>
-        <p:txBody>
-          <a:bodyPr vert="horz" lIns="91440" tIns="45720" rIns="91440" bIns="45720" rtlCol="0" anchor="ctr"/>
-          <a:lstStyle>
-            <a:lvl1pPr algn="ctr">
-              <a:defRPr sz="1200">
-                <a:solidFill>
-                  <a:schemeClr val="tx1">
-                    <a:tint val="75000"/>
-                  </a:schemeClr>
-                </a:solidFill>
-              </a:defRPr>
-            </a:lvl1pPr>
-          </a:lstStyle>
-          <a:p>
-            <a:r>
-              <a:rPr lang="en-US" smtClean="0"/>
-              <a:t>CSC 7700: Scientific Computing</a:t>
-            </a:r>
-            <a:endParaRPr lang="en-US"/>
-          </a:p>
-        </p:txBody>
-      </p:sp>
-      <p:sp>
-        <p:nvSpPr>
-          <p:cNvPr id="6" name="Slide Number Placeholder 5"/>
-          <p:cNvSpPr>
-            <a:spLocks noGrp="1"/>
-          </p:cNvSpPr>
-          <p:nvPr>
-            <p:ph type="sldNum" sz="quarter" idx="4"/>
-          </p:nvPr>
-        </p:nvSpPr>
-        <p:spPr>
-          <a:xfrm>
-            <a:off x="7956660" y="6356352"/>
-            <a:ext cx="730143" cy="365125"/>
-          </a:xfrm>
-          <a:prstGeom prst="rect">
-            <a:avLst/>
-          </a:prstGeom>
-        </p:spPr>
-        <p:txBody>
-          <a:bodyPr vert="horz" lIns="91440" tIns="45720" rIns="91440" bIns="45720" rtlCol="0" anchor="ctr"/>
-          <a:lstStyle>
-            <a:lvl1pPr algn="r">
-              <a:defRPr sz="1200">
-                <a:solidFill>
-                  <a:schemeClr val="tx1">
-                    <a:tint val="75000"/>
-                  </a:schemeClr>
-                </a:solidFill>
-              </a:defRPr>
-            </a:lvl1pPr>
-          </a:lstStyle>
-          <a:p>
-            <a:fld id="{DC876957-0BCA-CA4F-B18A-1C61852BAA2D}" type="slidenum">
-              <a:rPr lang="en-US" smtClean="0"/>
-              <a:pPr/>
-              <a:t>‹#›</a:t>
-            </a:fld>
             <a:endParaRPr lang="en-US" dirty="0"/>
           </a:p>
         </p:txBody>
@@ -8643,7 +9118,7 @@
             <a:fld id="{4C4AD4EB-88D0-C141-9474-CCD86A78CB94}" type="datetimeFigureOut">
               <a:rPr lang="en-US" smtClean="0"/>
               <a:pPr/>
-              <a:t>11/30/10</a:t>
+              <a:t>12/1/10</a:t>
             </a:fld>
             <a:endParaRPr lang="en-US"/>
           </a:p>
@@ -8833,6 +9308,7 @@
   <p:clrMap bg1="lt1" tx1="dk1" bg2="lt2" tx2="dk2" accent1="accent1" accent2="accent2" accent3="accent3" accent4="accent4" accent5="accent5" accent6="accent6" hlink="hlink" folHlink="folHlink"/>
   <p:sldLayoutIdLst>
     <p:sldLayoutId id="2147483697" r:id="rId1"/>
+    <p:sldLayoutId id="2147483698" r:id="rId2"/>
   </p:sldLayoutIdLst>
   <p:txStyles>
     <p:titleStyle>
@@ -9430,8 +9906,8 @@
         </p:nvSpPr>
         <p:spPr>
           <a:xfrm>
-            <a:off x="2438400" y="4016393"/>
-            <a:ext cx="4089400" cy="646331"/>
+            <a:off x="431800" y="4016393"/>
+            <a:ext cx="8623300" cy="1200329"/>
           </a:xfrm>
           <a:prstGeom prst="rect">
             <a:avLst/>
@@ -9445,8 +9921,15 @@
           <a:p>
             <a:r>
               <a:rPr lang="en-US" sz="3600" dirty="0" smtClean="0"/>
-              <a:t>Adopting Clouds</a:t>
-            </a:r>
+              <a:t>Adopting </a:t>
+            </a:r>
+            <a:r>
+              <a:rPr lang="en-US" sz="3600" dirty="0" smtClean="0"/>
+              <a:t>Clouds</a:t>
+            </a:r>
+          </a:p>
+          <a:p>
+            <a:endParaRPr lang="en-US" sz="3600" dirty="0" smtClean="0"/>
           </a:p>
         </p:txBody>
       </p:sp>
@@ -9551,7 +10034,7 @@
       </p:grpSpPr>
       <p:sp>
         <p:nvSpPr>
-          <p:cNvPr id="4" name="Title 3"/>
+          <p:cNvPr id="2" name="Title 1"/>
           <p:cNvSpPr>
             <a:spLocks noGrp="1"/>
           </p:cNvSpPr>
@@ -9559,7 +10042,12 @@
             <p:ph type="title"/>
           </p:nvPr>
         </p:nvSpPr>
-        <p:spPr/>
+        <p:spPr>
+          <a:xfrm>
+            <a:off x="317500" y="-25400"/>
+            <a:ext cx="8637588" cy="641351"/>
+          </a:xfrm>
+        </p:spPr>
         <p:txBody>
           <a:bodyPr>
             <a:normAutofit fontScale="90000"/>
@@ -9567,52 +10055,392 @@
           <a:lstStyle/>
           <a:p>
             <a:r>
-              <a:rPr lang="en-US" dirty="0" smtClean="0"/>
-              <a:t>Cloud Computing Interest</a:t>
-            </a:r>
-            <a:br>
-              <a:rPr lang="en-US" dirty="0" smtClean="0"/>
-            </a:br>
-            <a:r>
-              <a:rPr lang="en-US" sz="3111" dirty="0" smtClean="0"/>
-              <a:t>(adapted from Kathy </a:t>
-            </a:r>
-            <a:r>
-              <a:rPr lang="en-US" sz="3111" dirty="0" err="1" smtClean="0"/>
-              <a:t>Yelick</a:t>
-            </a:r>
-            <a:r>
-              <a:rPr lang="en-US" sz="3111" dirty="0" smtClean="0"/>
-              <a:t>)</a:t>
-            </a:r>
-            <a:endParaRPr lang="en-US" sz="3111" dirty="0"/>
+              <a:rPr lang="en-US" dirty="0" smtClean="0">
+                <a:solidFill>
+                  <a:schemeClr val="tx1"/>
+                </a:solidFill>
+              </a:rPr>
+              <a:t>Cloud Models</a:t>
+            </a:r>
+            <a:endParaRPr lang="en-US" dirty="0">
+              <a:solidFill>
+                <a:schemeClr val="tx1"/>
+              </a:solidFill>
+            </a:endParaRPr>
+          </a:p>
+        </p:txBody>
+      </p:sp>
+      <p:sp>
+        <p:nvSpPr>
+          <p:cNvPr id="3" name="Content Placeholder 2"/>
+          <p:cNvSpPr>
+            <a:spLocks noGrp="1"/>
+          </p:cNvSpPr>
+          <p:nvPr>
+            <p:ph type="body" sz="quarter" idx="10"/>
+          </p:nvPr>
+        </p:nvSpPr>
+        <p:spPr>
+          <a:xfrm>
+            <a:off x="0" y="787400"/>
+            <a:ext cx="9144000" cy="5994400"/>
+          </a:xfrm>
+        </p:spPr>
+        <p:txBody>
+          <a:bodyPr>
+            <a:noAutofit/>
+          </a:bodyPr>
+          <a:lstStyle/>
+          <a:p>
+            <a:pPr>
+              <a:buNone/>
+            </a:pPr>
+            <a:r>
+              <a:rPr lang="en-US" sz="2000" b="1" dirty="0" smtClean="0"/>
+              <a:t>Infrastructure as a Service</a:t>
+            </a:r>
+          </a:p>
+          <a:p>
+            <a:pPr marL="284163" lvl="1" indent="-284163"/>
+            <a:r>
+              <a:rPr lang="en-US" sz="1800" dirty="0" smtClean="0"/>
+              <a:t>Provide a way to host virtual machines on demand </a:t>
+            </a:r>
+          </a:p>
+          <a:p>
+            <a:pPr marL="457200" lvl="2" indent="-173038"/>
+            <a:r>
+              <a:rPr lang="en-US" sz="1600" dirty="0" smtClean="0"/>
+              <a:t>Amazon ec2 and S3 – you configure your VM, load and go</a:t>
+            </a:r>
+          </a:p>
+          <a:p>
+            <a:pPr>
+              <a:spcBef>
+                <a:spcPts val="1200"/>
+              </a:spcBef>
+              <a:buNone/>
+            </a:pPr>
+            <a:r>
+              <a:rPr lang="en-US" sz="2000" b="1" dirty="0" smtClean="0"/>
+              <a:t>Platform as a Service</a:t>
+            </a:r>
+          </a:p>
+          <a:p>
+            <a:pPr marL="284163" lvl="1" indent="-284163"/>
+            <a:r>
+              <a:rPr lang="en-US" sz="1800" dirty="0" smtClean="0"/>
+              <a:t>You write an App to cloud APIs and release it.  The platform manages and scales it for you.</a:t>
+            </a:r>
+          </a:p>
+          <a:p>
+            <a:pPr marL="284163" lvl="1" indent="-284163"/>
+            <a:r>
+              <a:rPr lang="en-US" sz="1800" dirty="0" smtClean="0"/>
+              <a:t>Google App engine:  </a:t>
+            </a:r>
+          </a:p>
+          <a:p>
+            <a:pPr marL="457200" lvl="2" indent="-173038"/>
+            <a:r>
+              <a:rPr lang="en-US" sz="1600" dirty="0" smtClean="0"/>
+              <a:t>Write a python program to access Big  Table.  Upload it and run it in a python cloud.</a:t>
+            </a:r>
+          </a:p>
+          <a:p>
+            <a:pPr marL="457200" lvl="2" indent="-173038"/>
+            <a:r>
+              <a:rPr lang="en-US" sz="1600" dirty="0" err="1" smtClean="0"/>
+              <a:t>Hadoop</a:t>
+            </a:r>
+            <a:r>
+              <a:rPr lang="en-US" sz="1600" dirty="0" smtClean="0"/>
+              <a:t> and Dryad are application frameworks for data parallel analysis</a:t>
+            </a:r>
+          </a:p>
+          <a:p>
+            <a:pPr>
+              <a:spcBef>
+                <a:spcPts val="1200"/>
+              </a:spcBef>
+              <a:buNone/>
+            </a:pPr>
+            <a:r>
+              <a:rPr lang="en-US" sz="2000" b="1" dirty="0" smtClean="0"/>
+              <a:t>Software as a Service</a:t>
+            </a:r>
+          </a:p>
+          <a:p>
+            <a:pPr marL="284163" lvl="1" indent="-284163"/>
+            <a:r>
+              <a:rPr lang="en-US" sz="1800" dirty="0" smtClean="0"/>
+              <a:t>Delivery of software to the desktop from the cloud</a:t>
+            </a:r>
+          </a:p>
+          <a:p>
+            <a:pPr marL="457200" lvl="2" indent="-173038"/>
+            <a:r>
+              <a:rPr lang="en-US" sz="1600" dirty="0" smtClean="0"/>
+              <a:t>Stand-alone applications  (Word, Excel, etc)</a:t>
+            </a:r>
+          </a:p>
+          <a:p>
+            <a:pPr marL="457200" lvl="2" indent="-173038"/>
+            <a:r>
+              <a:rPr lang="en-US" sz="1600" dirty="0" smtClean="0"/>
+              <a:t>Cloud hosted capability</a:t>
+            </a:r>
+          </a:p>
+          <a:p>
+            <a:pPr marL="692150" lvl="3" indent="-234950"/>
+            <a:r>
+              <a:rPr lang="en-US" sz="1600" dirty="0" smtClean="0"/>
+              <a:t>doc lives in the cloud</a:t>
+            </a:r>
+          </a:p>
+          <a:p>
+            <a:pPr marL="692150" lvl="3" indent="-234950"/>
+            <a:r>
+              <a:rPr lang="en-US" sz="1600" dirty="0" smtClean="0"/>
+              <a:t>Collaborative document creation</a:t>
+            </a:r>
+            <a:endParaRPr lang="en-US" dirty="0" smtClean="0"/>
+          </a:p>
+          <a:p>
+            <a:pPr lvl="1"/>
+            <a:endParaRPr lang="en-US" sz="1800" dirty="0"/>
           </a:p>
         </p:txBody>
       </p:sp>
       <p:pic>
         <p:nvPicPr>
-          <p:cNvPr id="7" name="Content Placeholder 6" descr="cloudinterest.png"/>
+          <p:cNvPr id="4" name="Picture 2" descr="Red_Color_in_Gray_Clouds.JPG"/>
           <p:cNvPicPr>
-            <a:picLocks noGrp="1" noChangeAspect="1"/>
+            <a:picLocks noChangeAspect="1"/>
           </p:cNvPicPr>
-          <p:nvPr>
-            <p:ph idx="1"/>
-          </p:nvPr>
+          <p:nvPr/>
         </p:nvPicPr>
         <p:blipFill>
           <a:blip r:embed="rId2"/>
-          <a:srcRect l="-1864" r="-1864"/>
+          <a:srcRect/>
           <a:stretch>
             <a:fillRect/>
           </a:stretch>
         </p:blipFill>
-        <p:spPr/>
+        <p:spPr bwMode="auto">
+          <a:xfrm>
+            <a:off x="0" y="-6350"/>
+            <a:ext cx="9144000" cy="6870700"/>
+          </a:xfrm>
+          <a:prstGeom prst="rect">
+            <a:avLst/>
+          </a:prstGeom>
+          <a:noFill/>
+          <a:ln w="9525">
+            <a:noFill/>
+            <a:miter lim="800000"/>
+            <a:headEnd/>
+            <a:tailEnd/>
+          </a:ln>
+        </p:spPr>
+      </p:pic>
+      <p:pic>
+        <p:nvPicPr>
+          <p:cNvPr id="5" name="Picture 3" descr="Mammatus_cloud_panorama.jpg"/>
+          <p:cNvPicPr>
+            <a:picLocks noChangeAspect="1"/>
+          </p:cNvPicPr>
+          <p:nvPr/>
+        </p:nvPicPr>
+        <p:blipFill>
+          <a:blip r:embed="rId3"/>
+          <a:srcRect/>
+          <a:stretch>
+            <a:fillRect/>
+          </a:stretch>
+        </p:blipFill>
+        <p:spPr bwMode="auto">
+          <a:xfrm>
+            <a:off x="-11112" y="4016393"/>
+            <a:ext cx="9144000" cy="2867025"/>
+          </a:xfrm>
+          <a:prstGeom prst="rect">
+            <a:avLst/>
+          </a:prstGeom>
+          <a:noFill/>
+          <a:ln w="9525">
+            <a:noFill/>
+            <a:miter lim="800000"/>
+            <a:headEnd/>
+            <a:tailEnd/>
+          </a:ln>
+        </p:spPr>
+      </p:pic>
+      <p:pic>
+        <p:nvPicPr>
+          <p:cNvPr id="6" name="Picture 2" descr="http://www.tintinv.com/Images/Random/NewCloud.jpg"/>
+          <p:cNvPicPr>
+            <a:picLocks noChangeAspect="1" noChangeArrowheads="1"/>
+          </p:cNvPicPr>
+          <p:nvPr/>
+        </p:nvPicPr>
+        <p:blipFill>
+          <a:blip r:embed="rId4"/>
+          <a:srcRect/>
+          <a:stretch>
+            <a:fillRect/>
+          </a:stretch>
+        </p:blipFill>
+        <p:spPr bwMode="auto">
+          <a:xfrm>
+            <a:off x="5359400" y="-25400"/>
+            <a:ext cx="3784600" cy="2434315"/>
+          </a:xfrm>
+          <a:prstGeom prst="rect">
+            <a:avLst/>
+          </a:prstGeom>
+          <a:noFill/>
+          <a:ln w="9525">
+            <a:noFill/>
+            <a:miter lim="800000"/>
+            <a:headEnd/>
+            <a:tailEnd/>
+          </a:ln>
+        </p:spPr>
+      </p:pic>
+      <p:sp>
+        <p:nvSpPr>
+          <p:cNvPr id="7" name="Rectangle 6"/>
+          <p:cNvSpPr/>
+          <p:nvPr/>
+        </p:nvSpPr>
+        <p:spPr>
+          <a:xfrm>
+            <a:off x="431800" y="4016393"/>
+            <a:ext cx="8623300" cy="2308324"/>
+          </a:xfrm>
+          <a:prstGeom prst="rect">
+            <a:avLst/>
+          </a:prstGeom>
+        </p:spPr>
+        <p:txBody>
+          <a:bodyPr wrap="square">
+            <a:spAutoFit/>
+          </a:bodyPr>
+          <a:lstStyle/>
+          <a:p>
+            <a:r>
+              <a:rPr lang="en-US" sz="3600" dirty="0" smtClean="0"/>
+              <a:t>Adopting </a:t>
+            </a:r>
+            <a:r>
+              <a:rPr lang="en-US" sz="3600" dirty="0" smtClean="0"/>
+              <a:t>Clouds</a:t>
+            </a:r>
+          </a:p>
+          <a:p>
+            <a:r>
+              <a:rPr lang="en-US" sz="3600" dirty="0" smtClean="0"/>
+              <a:t>The issue is not whether to adopt or not, but what </a:t>
+            </a:r>
+            <a:r>
+              <a:rPr lang="en-US" sz="3600" dirty="0" smtClean="0"/>
+              <a:t>elements to adopt, </a:t>
+            </a:r>
+            <a:r>
+              <a:rPr lang="en-US" sz="3600" dirty="0" smtClean="0"/>
+              <a:t>for </a:t>
+            </a:r>
+            <a:r>
+              <a:rPr lang="en-US" sz="3600" dirty="0" smtClean="0"/>
+              <a:t>what</a:t>
+            </a:r>
+            <a:r>
+              <a:rPr lang="en-US" sz="3600" dirty="0" smtClean="0"/>
+              <a:t> </a:t>
+            </a:r>
+            <a:r>
+              <a:rPr lang="en-US" sz="3600" dirty="0" smtClean="0"/>
+              <a:t>and how?</a:t>
+            </a:r>
+          </a:p>
+          <a:p>
+            <a:endParaRPr lang="en-US" sz="3600" dirty="0" smtClean="0"/>
+          </a:p>
+        </p:txBody>
+      </p:sp>
+      <p:pic>
+        <p:nvPicPr>
+          <p:cNvPr id="8" name="Picture 4" descr="cloud01.jpg"/>
+          <p:cNvPicPr>
+            <a:picLocks noChangeAspect="1"/>
+          </p:cNvPicPr>
+          <p:nvPr/>
+        </p:nvPicPr>
+        <p:blipFill>
+          <a:blip r:embed="rId5"/>
+          <a:srcRect/>
+          <a:stretch>
+            <a:fillRect/>
+          </a:stretch>
+        </p:blipFill>
+        <p:spPr bwMode="auto">
+          <a:xfrm>
+            <a:off x="2641601" y="36252"/>
+            <a:ext cx="2400125" cy="1583416"/>
+          </a:xfrm>
+          <a:prstGeom prst="rect">
+            <a:avLst/>
+          </a:prstGeom>
+          <a:noFill/>
+          <a:ln w="9525">
+            <a:noFill/>
+            <a:miter lim="800000"/>
+            <a:headEnd/>
+            <a:tailEnd/>
+          </a:ln>
+        </p:spPr>
+      </p:pic>
+      <p:pic>
+        <p:nvPicPr>
+          <p:cNvPr id="9" name="Picture 2" descr="PizBernina.jpg"/>
+          <p:cNvPicPr>
+            <a:picLocks noChangeAspect="1"/>
+          </p:cNvPicPr>
+          <p:nvPr/>
+        </p:nvPicPr>
+        <p:blipFill>
+          <a:blip r:embed="rId6"/>
+          <a:srcRect/>
+          <a:stretch>
+            <a:fillRect/>
+          </a:stretch>
+        </p:blipFill>
+        <p:spPr bwMode="auto">
+          <a:xfrm>
+            <a:off x="1" y="33791"/>
+            <a:ext cx="2641600" cy="1585877"/>
+          </a:xfrm>
+          <a:prstGeom prst="rect">
+            <a:avLst/>
+          </a:prstGeom>
+          <a:noFill/>
+          <a:ln w="9525">
+            <a:noFill/>
+            <a:miter lim="800000"/>
+            <a:headEnd/>
+            <a:tailEnd/>
+          </a:ln>
+        </p:spPr>
       </p:pic>
     </p:spTree>
   </p:cSld>
   <p:clrMapOvr>
     <a:masterClrMapping/>
   </p:clrMapOvr>
+  <p:transition>
+    <p:fade/>
+  </p:transition>
   <p:timing>
     <p:tnLst>
       <p:par>
@@ -9642,7 +10470,7 @@
       </p:grpSpPr>
       <p:sp>
         <p:nvSpPr>
-          <p:cNvPr id="2" name="Title 1"/>
+          <p:cNvPr id="4" name="Title 3"/>
           <p:cNvSpPr>
             <a:spLocks noGrp="1"/>
           </p:cNvSpPr>
@@ -9659,156 +10487,248 @@
           <a:p>
             <a:r>
               <a:rPr lang="en-US" dirty="0" smtClean="0"/>
-              <a:t>Adopting Clouds: Research and Production Computational Science</a:t>
-            </a:r>
-            <a:endParaRPr lang="en-US" dirty="0"/>
+              <a:t>Cloud Computing Interest</a:t>
+            </a:r>
+            <a:br>
+              <a:rPr lang="en-US" dirty="0" smtClean="0"/>
+            </a:br>
+            <a:r>
+              <a:rPr lang="en-US" sz="3111" dirty="0" smtClean="0"/>
+              <a:t>(adapted from Kathy </a:t>
+            </a:r>
+            <a:r>
+              <a:rPr lang="en-US" sz="3111" dirty="0" err="1" smtClean="0"/>
+              <a:t>Yelick</a:t>
+            </a:r>
+            <a:r>
+              <a:rPr lang="en-US" sz="3111" dirty="0" smtClean="0"/>
+              <a:t>)</a:t>
+            </a:r>
+            <a:endParaRPr lang="en-US" sz="3111" dirty="0"/>
+          </a:p>
+        </p:txBody>
+      </p:sp>
+      <p:pic>
+        <p:nvPicPr>
+          <p:cNvPr id="7" name="Content Placeholder 6" descr="cloudinterest.png"/>
+          <p:cNvPicPr>
+            <a:picLocks noGrp="1" noChangeAspect="1"/>
+          </p:cNvPicPr>
+          <p:nvPr>
+            <p:ph idx="1"/>
+          </p:nvPr>
+        </p:nvPicPr>
+        <p:blipFill>
+          <a:blip r:embed="rId3"/>
+          <a:srcRect l="-1864" r="-1864"/>
+          <a:stretch>
+            <a:fillRect/>
+          </a:stretch>
+        </p:blipFill>
+        <p:spPr>
+          <a:xfrm>
+            <a:off x="246457" y="1527189"/>
+            <a:ext cx="8922944" cy="5026012"/>
+          </a:xfrm>
+        </p:spPr>
+      </p:pic>
+      <p:cxnSp>
+        <p:nvCxnSpPr>
+          <p:cNvPr id="5" name="Elbow Connector 4"/>
+          <p:cNvCxnSpPr/>
+          <p:nvPr/>
+        </p:nvCxnSpPr>
+        <p:spPr>
+          <a:xfrm>
+            <a:off x="91039" y="4603652"/>
+            <a:ext cx="425767" cy="1588"/>
+          </a:xfrm>
+          <a:prstGeom prst="bentConnector3">
+            <a:avLst>
+              <a:gd name="adj1" fmla="val 50000"/>
+            </a:avLst>
+          </a:prstGeom>
+          <a:ln>
+            <a:solidFill>
+              <a:schemeClr val="bg2">
+                <a:lumMod val="50000"/>
+              </a:schemeClr>
+            </a:solidFill>
+            <a:tailEnd type="triangle" w="lg"/>
+          </a:ln>
+        </p:spPr>
+        <p:style>
+          <a:lnRef idx="2">
+            <a:schemeClr val="accent1"/>
+          </a:lnRef>
+          <a:fillRef idx="0">
+            <a:schemeClr val="accent1"/>
+          </a:fillRef>
+          <a:effectRef idx="1">
+            <a:schemeClr val="accent1"/>
+          </a:effectRef>
+          <a:fontRef idx="minor">
+            <a:schemeClr val="tx1"/>
+          </a:fontRef>
+        </p:style>
+      </p:cxnSp>
+      <p:cxnSp>
+        <p:nvCxnSpPr>
+          <p:cNvPr id="8" name="Elbow Connector 7"/>
+          <p:cNvCxnSpPr/>
+          <p:nvPr/>
+        </p:nvCxnSpPr>
+        <p:spPr>
+          <a:xfrm>
+            <a:off x="91039" y="5143500"/>
+            <a:ext cx="425767" cy="1588"/>
+          </a:xfrm>
+          <a:prstGeom prst="bentConnector3">
+            <a:avLst>
+              <a:gd name="adj1" fmla="val 32103"/>
+            </a:avLst>
+          </a:prstGeom>
+          <a:ln>
+            <a:solidFill>
+              <a:schemeClr val="bg2">
+                <a:lumMod val="50000"/>
+              </a:schemeClr>
+            </a:solidFill>
+            <a:tailEnd type="triangle" w="lg"/>
+          </a:ln>
+        </p:spPr>
+        <p:style>
+          <a:lnRef idx="2">
+            <a:schemeClr val="accent1"/>
+          </a:lnRef>
+          <a:fillRef idx="0">
+            <a:schemeClr val="accent1"/>
+          </a:fillRef>
+          <a:effectRef idx="1">
+            <a:schemeClr val="accent1"/>
+          </a:effectRef>
+          <a:fontRef idx="minor">
+            <a:schemeClr val="tx1"/>
+          </a:fontRef>
+        </p:style>
+      </p:cxnSp>
+      <p:sp>
+        <p:nvSpPr>
+          <p:cNvPr id="11" name="TextBox 10"/>
+          <p:cNvSpPr txBox="1"/>
+          <p:nvPr/>
+        </p:nvSpPr>
+        <p:spPr>
+          <a:xfrm>
+            <a:off x="55956" y="2438400"/>
+            <a:ext cx="457200" cy="461665"/>
+          </a:xfrm>
+          <a:prstGeom prst="rect">
+            <a:avLst/>
+          </a:prstGeom>
+          <a:noFill/>
+        </p:spPr>
+        <p:txBody>
+          <a:bodyPr wrap="square" rtlCol="0">
+            <a:spAutoFit/>
+          </a:bodyPr>
+          <a:lstStyle/>
+          <a:p>
+            <a:r>
+              <a:rPr lang="en-US" sz="2400" dirty="0" smtClean="0"/>
+              <a:t>X</a:t>
+            </a:r>
+            <a:endParaRPr lang="en-US" sz="2400" dirty="0"/>
           </a:p>
         </p:txBody>
       </p:sp>
       <p:sp>
         <p:nvSpPr>
-          <p:cNvPr id="3" name="Content Placeholder 2"/>
-          <p:cNvSpPr>
-            <a:spLocks noGrp="1"/>
-          </p:cNvSpPr>
-          <p:nvPr>
-            <p:ph idx="1"/>
-          </p:nvPr>
+          <p:cNvPr id="12" name="TextBox 11"/>
+          <p:cNvSpPr txBox="1"/>
+          <p:nvPr/>
         </p:nvSpPr>
-        <p:spPr/>
+        <p:spPr>
+          <a:xfrm>
+            <a:off x="12700" y="3619500"/>
+            <a:ext cx="660400" cy="461665"/>
+          </a:xfrm>
+          <a:prstGeom prst="rect">
+            <a:avLst/>
+          </a:prstGeom>
+          <a:noFill/>
+        </p:spPr>
         <p:txBody>
-          <a:bodyPr/>
+          <a:bodyPr wrap="square" rtlCol="0">
+            <a:spAutoFit/>
+          </a:bodyPr>
           <a:lstStyle/>
           <a:p>
             <a:r>
-              <a:rPr lang="en-US" dirty="0" smtClean="0"/>
-              <a:t>Ability to control software environment</a:t>
-            </a:r>
-          </a:p>
-          <a:p>
-            <a:pPr lvl="1"/>
-            <a:r>
-              <a:rPr lang="en-US" dirty="0" smtClean="0"/>
-              <a:t>Using FG:</a:t>
-            </a:r>
-          </a:p>
-          <a:p>
-            <a:pPr lvl="2"/>
-            <a:r>
-              <a:rPr lang="en-US" dirty="0" smtClean="0"/>
-              <a:t>Research: </a:t>
-            </a:r>
-            <a:r>
-              <a:rPr lang="en-US" dirty="0" err="1" smtClean="0"/>
-              <a:t>Interoperabilty</a:t>
-            </a:r>
-            <a:r>
-              <a:rPr lang="en-US" dirty="0" smtClean="0"/>
-              <a:t> OGF-standard end-points</a:t>
-            </a:r>
-          </a:p>
-          <a:p>
-            <a:pPr lvl="2"/>
-            <a:r>
-              <a:rPr lang="en-US" dirty="0" smtClean="0"/>
-              <a:t>Teaching: LSU CSC 7700 Distributed Scientific Comp</a:t>
-            </a:r>
-          </a:p>
-          <a:p>
-            <a:pPr lvl="1"/>
-            <a:r>
-              <a:rPr lang="en-US" dirty="0" smtClean="0"/>
-              <a:t>Facilitate </a:t>
-            </a:r>
-            <a:r>
-              <a:rPr lang="en-US" dirty="0" smtClean="0"/>
-              <a:t>collaboration:</a:t>
-            </a:r>
-          </a:p>
-          <a:p>
-            <a:pPr lvl="2"/>
-            <a:r>
-              <a:rPr lang="en-US" dirty="0" smtClean="0"/>
-              <a:t>Programming Models and RT </a:t>
-            </a:r>
-            <a:r>
-              <a:rPr lang="en-US" dirty="0" smtClean="0"/>
-              <a:t>Systems for DI Research</a:t>
-            </a:r>
-          </a:p>
-          <a:p>
-            <a:r>
-              <a:rPr lang="en-US" dirty="0" smtClean="0"/>
-              <a:t>Application Novel </a:t>
-            </a:r>
-            <a:r>
-              <a:rPr lang="en-US" dirty="0" smtClean="0"/>
-              <a:t>Usage</a:t>
-            </a:r>
-            <a:r>
-              <a:rPr lang="en-US" dirty="0" smtClean="0"/>
-              <a:t> (Execution) Modes</a:t>
-            </a:r>
-          </a:p>
-          <a:p>
-            <a:r>
-              <a:rPr lang="en-US" b="1" dirty="0" smtClean="0"/>
-              <a:t>Simplicity with Performance and Scalability</a:t>
-            </a:r>
-            <a:endParaRPr lang="en-US" b="1" dirty="0" smtClean="0"/>
-          </a:p>
-          <a:p>
-            <a:endParaRPr lang="en-US" dirty="0" smtClean="0"/>
-          </a:p>
-          <a:p>
-            <a:endParaRPr lang="en-US" dirty="0"/>
+              <a:rPr lang="en-US" sz="2400" dirty="0" smtClean="0"/>
+              <a:t>Y/N</a:t>
+            </a:r>
+            <a:endParaRPr lang="en-US" sz="2400" dirty="0"/>
           </a:p>
         </p:txBody>
       </p:sp>
       <p:sp>
         <p:nvSpPr>
-          <p:cNvPr id="4" name="Footer Placeholder 3"/>
-          <p:cNvSpPr>
-            <a:spLocks noGrp="1"/>
-          </p:cNvSpPr>
-          <p:nvPr>
-            <p:ph type="ftr" sz="quarter" idx="11"/>
-          </p:nvPr>
+          <p:cNvPr id="13" name="TextBox 12"/>
+          <p:cNvSpPr txBox="1"/>
+          <p:nvPr/>
         </p:nvSpPr>
-        <p:spPr/>
+        <p:spPr>
+          <a:xfrm>
+            <a:off x="94056" y="5689600"/>
+            <a:ext cx="457200" cy="461665"/>
+          </a:xfrm>
+          <a:prstGeom prst="rect">
+            <a:avLst/>
+          </a:prstGeom>
+          <a:noFill/>
+        </p:spPr>
         <p:txBody>
-          <a:bodyPr/>
+          <a:bodyPr wrap="square" rtlCol="0">
+            <a:spAutoFit/>
+          </a:bodyPr>
           <a:lstStyle/>
           <a:p>
             <a:r>
-              <a:rPr lang="en-US" smtClean="0"/>
-              <a:t>CSC 7700: Scientific Computing</a:t>
-            </a:r>
-            <a:endParaRPr lang="en-US" dirty="0"/>
+              <a:rPr lang="en-US" sz="2400" dirty="0" smtClean="0"/>
+              <a:t>X</a:t>
+            </a:r>
+            <a:endParaRPr lang="en-US" sz="2400" dirty="0"/>
           </a:p>
         </p:txBody>
       </p:sp>
       <p:sp>
         <p:nvSpPr>
-          <p:cNvPr id="5" name="Slide Number Placeholder 4"/>
-          <p:cNvSpPr>
-            <a:spLocks noGrp="1"/>
-          </p:cNvSpPr>
-          <p:nvPr>
-            <p:ph type="sldNum" sz="quarter" idx="12"/>
-          </p:nvPr>
+          <p:cNvPr id="14" name="TextBox 13"/>
+          <p:cNvSpPr txBox="1"/>
+          <p:nvPr/>
         </p:nvSpPr>
-        <p:spPr/>
+        <p:spPr>
+          <a:xfrm>
+            <a:off x="43256" y="5369867"/>
+            <a:ext cx="660400" cy="461665"/>
+          </a:xfrm>
+          <a:prstGeom prst="rect">
+            <a:avLst/>
+          </a:prstGeom>
+          <a:noFill/>
+        </p:spPr>
         <p:txBody>
-          <a:bodyPr/>
+          <a:bodyPr wrap="square" rtlCol="0">
+            <a:spAutoFit/>
+          </a:bodyPr>
           <a:lstStyle/>
           <a:p>
-            <a:fld id="{DC876957-0BCA-CA4F-B18A-1C61852BAA2D}" type="slidenum">
-              <a:rPr lang="en-US" smtClean="0"/>
-              <a:pPr/>
-              <a:t>3</a:t>
-            </a:fld>
-            <a:endParaRPr lang="en-US"/>
+            <a:r>
+              <a:rPr lang="en-US" sz="2400" dirty="0" smtClean="0"/>
+              <a:t>Y/N</a:t>
+            </a:r>
+            <a:endParaRPr lang="en-US" sz="2400" dirty="0"/>
           </a:p>
         </p:txBody>
       </p:sp>
@@ -9817,6 +10737,13 @@
   <p:clrMapOvr>
     <a:masterClrMapping/>
   </p:clrMapOvr>
+  <p:timing>
+    <p:tnLst>
+      <p:par>
+        <p:cTn id="1" dur="indefinite" restart="never" nodeType="tmRoot"/>
+      </p:par>
+    </p:tnLst>
+  </p:timing>
 </p:sld>
 </file>
 
@@ -9856,31 +10783,194 @@
           <a:p>
             <a:r>
               <a:rPr lang="en-US" sz="2400" dirty="0" smtClean="0"/>
-              <a:t>Deployment &amp; Scheduling of  Multiple  Infrastructure Independent Pilot-Jobs</a:t>
+              <a:t>Why Adopt Clouds?  A Computer &amp; Computational Science Perspective</a:t>
             </a:r>
             <a:endParaRPr lang="en-US" sz="2400" dirty="0"/>
           </a:p>
         </p:txBody>
       </p:sp>
-      <p:pic>
-        <p:nvPicPr>
-          <p:cNvPr id="5" name="Content Placeholder 4" descr="distributed_pilot_job.png"/>
-          <p:cNvPicPr>
-            <a:picLocks noGrp="1" noChangeAspect="1"/>
-          </p:cNvPicPr>
+      <p:sp>
+        <p:nvSpPr>
+          <p:cNvPr id="3" name="Content Placeholder 2"/>
+          <p:cNvSpPr>
+            <a:spLocks noGrp="1"/>
+          </p:cNvSpPr>
           <p:nvPr>
             <p:ph idx="1"/>
           </p:nvPr>
-        </p:nvPicPr>
-        <p:blipFill>
-          <a:blip r:embed="rId2"/>
-          <a:srcRect t="-10678" b="-10678"/>
-          <a:stretch>
-            <a:fillRect/>
-          </a:stretch>
-        </p:blipFill>
+        </p:nvSpPr>
+        <p:spPr>
+          <a:xfrm>
+            <a:off x="757947" y="1358900"/>
+            <a:ext cx="7966954" cy="5210175"/>
+          </a:xfrm>
+        </p:spPr>
+        <p:txBody>
+          <a:bodyPr>
+            <a:normAutofit/>
+          </a:bodyPr>
+          <a:lstStyle/>
+          <a:p>
+            <a:r>
+              <a:rPr lang="en-US" dirty="0" smtClean="0"/>
+              <a:t>Ability to control software environment</a:t>
+            </a:r>
+            <a:endParaRPr lang="en-US" dirty="0" smtClean="0"/>
+          </a:p>
+          <a:p>
+            <a:pPr lvl="1"/>
+            <a:r>
+              <a:rPr lang="en-US" dirty="0" smtClean="0"/>
+              <a:t>Research/Facilitate </a:t>
+            </a:r>
+            <a:r>
+              <a:rPr lang="en-US" dirty="0" smtClean="0"/>
+              <a:t>collaboration</a:t>
+            </a:r>
+            <a:r>
+              <a:rPr lang="en-US" dirty="0" smtClean="0"/>
+              <a:t>:</a:t>
+            </a:r>
+          </a:p>
+          <a:p>
+            <a:pPr lvl="2"/>
+            <a:r>
+              <a:rPr lang="en-US" dirty="0" smtClean="0"/>
+              <a:t>Programming </a:t>
+            </a:r>
+            <a:r>
+              <a:rPr lang="en-US" dirty="0" smtClean="0"/>
+              <a:t>Models and RT Systems for </a:t>
+            </a:r>
+            <a:r>
+              <a:rPr lang="en-US" dirty="0" smtClean="0"/>
+              <a:t>DIC</a:t>
+            </a:r>
+            <a:endParaRPr lang="en-US" dirty="0" smtClean="0"/>
+          </a:p>
+          <a:p>
+            <a:pPr lvl="2"/>
+            <a:r>
+              <a:rPr lang="en-US" dirty="0" smtClean="0"/>
+              <a:t>Interoperability Experiments of standard endpoint</a:t>
+            </a:r>
+          </a:p>
+          <a:p>
+            <a:pPr lvl="1"/>
+            <a:r>
+              <a:rPr lang="en-US" dirty="0" smtClean="0"/>
+              <a:t>Teaching:</a:t>
+            </a:r>
+          </a:p>
+          <a:p>
+            <a:pPr lvl="2"/>
+            <a:r>
+              <a:rPr lang="en-US" dirty="0" err="1" smtClean="0"/>
+              <a:t>FutureGrid</a:t>
+            </a:r>
+            <a:r>
+              <a:rPr lang="en-US" dirty="0" smtClean="0"/>
+              <a:t>: </a:t>
+            </a:r>
+            <a:r>
+              <a:rPr lang="en-US" dirty="0" smtClean="0"/>
+              <a:t>LSU CSC 7700 Distributed Scientific </a:t>
+            </a:r>
+            <a:r>
+              <a:rPr lang="en-US" dirty="0" smtClean="0"/>
+              <a:t>Comp</a:t>
+            </a:r>
+            <a:endParaRPr lang="en-US" dirty="0" smtClean="0"/>
+          </a:p>
+          <a:p>
+            <a:pPr lvl="1"/>
+            <a:r>
+              <a:rPr lang="en-US" dirty="0" smtClean="0"/>
+              <a:t>Computational </a:t>
+            </a:r>
+            <a:r>
+              <a:rPr lang="en-US" dirty="0" smtClean="0"/>
+              <a:t>Biology:  Replica-Exchange Simulations </a:t>
+            </a:r>
+          </a:p>
+          <a:p>
+            <a:pPr lvl="2"/>
+            <a:r>
+              <a:rPr lang="en-US" dirty="0" smtClean="0"/>
+              <a:t>O(100) midsize parallelism ensemble </a:t>
+            </a:r>
+            <a:r>
+              <a:rPr lang="en-US" dirty="0" smtClean="0"/>
+              <a:t>loosely </a:t>
+            </a:r>
+            <a:r>
+              <a:rPr lang="en-US" dirty="0" smtClean="0"/>
+              <a:t>coupled</a:t>
+            </a:r>
+            <a:endParaRPr lang="en-US" dirty="0" smtClean="0"/>
+          </a:p>
+          <a:p>
+            <a:pPr lvl="2"/>
+            <a:r>
+              <a:rPr lang="en-US" dirty="0" err="1" smtClean="0"/>
+              <a:t>TeraGrid</a:t>
+            </a:r>
+            <a:r>
+              <a:rPr lang="en-US" dirty="0" smtClean="0"/>
+              <a:t> or Clouds? </a:t>
+            </a:r>
+          </a:p>
+          <a:p>
+            <a:pPr lvl="3"/>
+            <a:r>
+              <a:rPr lang="en-US" dirty="0" smtClean="0"/>
+              <a:t>Azure: Simplicity with Performance and Scalability </a:t>
+            </a:r>
+          </a:p>
+          <a:p>
+            <a:pPr lvl="2"/>
+            <a:r>
+              <a:rPr lang="en-US" dirty="0" smtClean="0"/>
+              <a:t>Basis for Application </a:t>
+            </a:r>
+            <a:r>
+              <a:rPr lang="en-US" dirty="0" smtClean="0"/>
+              <a:t>Novel Usage (Execution) </a:t>
+            </a:r>
+            <a:r>
+              <a:rPr lang="en-US" dirty="0" smtClean="0"/>
+              <a:t>Modes</a:t>
+            </a:r>
+          </a:p>
+          <a:p>
+            <a:endParaRPr lang="en-US" dirty="0"/>
+          </a:p>
+        </p:txBody>
+      </p:sp>
+      <p:sp>
+        <p:nvSpPr>
+          <p:cNvPr id="5" name="Slide Number Placeholder 4"/>
+          <p:cNvSpPr>
+            <a:spLocks noGrp="1"/>
+          </p:cNvSpPr>
+          <p:nvPr>
+            <p:ph type="sldNum" sz="quarter" idx="12"/>
+          </p:nvPr>
+        </p:nvSpPr>
         <p:spPr/>
-      </p:pic>
+        <p:txBody>
+          <a:bodyPr/>
+          <a:lstStyle/>
+          <a:p>
+            <a:fld id="{DC876957-0BCA-CA4F-B18A-1C61852BAA2D}" type="slidenum">
+              <a:rPr lang="en-US" smtClean="0"/>
+              <a:pPr/>
+              <a:t>4</a:t>
+            </a:fld>
+            <a:endParaRPr lang="en-US"/>
+          </a:p>
+        </p:txBody>
+      </p:sp>
     </p:spTree>
   </p:cSld>
   <p:clrMapOvr>
@@ -9926,217 +11016,49 @@
         <p:spPr/>
         <p:txBody>
           <a:bodyPr>
-            <a:normAutofit fontScale="90000"/>
-          </a:bodyPr>
-          <a:lstStyle/>
-          <a:p>
-            <a:r>
-              <a:rPr lang="en-US" dirty="0" smtClean="0"/>
-              <a:t>Azure: Using </a:t>
-            </a:r>
-            <a:r>
-              <a:rPr lang="en-US" dirty="0" err="1" smtClean="0"/>
-              <a:t>BigJob</a:t>
-            </a:r>
-            <a:r>
-              <a:rPr lang="en-US" dirty="0" smtClean="0"/>
-              <a:t> API and Coordinating Multiple Tasks</a:t>
-            </a:r>
-            <a:endParaRPr lang="en-US" dirty="0"/>
-          </a:p>
-        </p:txBody>
-      </p:sp>
-      <p:sp>
-        <p:nvSpPr>
-          <p:cNvPr id="5" name="Content Placeholder 4"/>
-          <p:cNvSpPr>
-            <a:spLocks noGrp="1"/>
-          </p:cNvSpPr>
-          <p:nvPr>
-            <p:ph idx="1"/>
-          </p:nvPr>
-        </p:nvSpPr>
-        <p:spPr>
-          <a:xfrm>
-            <a:off x="430923" y="1397675"/>
-            <a:ext cx="7966954" cy="1650325"/>
-          </a:xfrm>
-        </p:spPr>
-        <p:txBody>
-          <a:bodyPr>
             <a:noAutofit/>
           </a:bodyPr>
           <a:lstStyle/>
           <a:p>
-            <a:pPr>
-              <a:buFont typeface="Arial"/>
-              <a:buChar char="•"/>
-            </a:pPr>
-            <a:r>
-              <a:rPr lang="en-US" sz="1700" dirty="0" smtClean="0"/>
-              <a:t>For Replica-Exchange application, take SAGA-</a:t>
-            </a:r>
-            <a:r>
-              <a:rPr lang="en-US" sz="1700" dirty="0" err="1" smtClean="0"/>
+            <a:r>
+              <a:rPr lang="en-US" sz="2400" dirty="0" smtClean="0"/>
+              <a:t>SAGA-</a:t>
+            </a:r>
+            <a:r>
+              <a:rPr lang="en-US" sz="2400" dirty="0" err="1" smtClean="0"/>
               <a:t>BigJob</a:t>
             </a:r>
             <a:r>
-              <a:rPr lang="en-US" sz="1700" dirty="0" smtClean="0"/>
-              <a:t> and implement on Azure to test for performance</a:t>
-            </a:r>
-          </a:p>
-          <a:p>
-            <a:pPr>
-              <a:buFont typeface="Arial"/>
-              <a:buChar char="•"/>
-            </a:pPr>
-            <a:r>
-              <a:rPr lang="en-US" sz="1700" dirty="0" smtClean="0"/>
-              <a:t>CONCLUSION: For same workload, comparable in performance to TG!</a:t>
-            </a:r>
-          </a:p>
-          <a:p>
-            <a:pPr lvl="1"/>
-            <a:r>
-              <a:rPr lang="en-US" sz="1700" dirty="0" smtClean="0"/>
-              <a:t> BUT SIMPLER to implement than TG!</a:t>
-            </a:r>
-          </a:p>
-          <a:p>
-            <a:endParaRPr lang="en-US" sz="1700" dirty="0"/>
+              <a:rPr lang="en-US" sz="2400" dirty="0" smtClean="0"/>
+              <a:t>: Infrastructure </a:t>
+            </a:r>
+            <a:r>
+              <a:rPr lang="en-US" sz="2400" dirty="0" smtClean="0"/>
+              <a:t>Independent Pilot-Jobs</a:t>
+            </a:r>
+            <a:endParaRPr lang="en-US" sz="2400" dirty="0"/>
           </a:p>
         </p:txBody>
       </p:sp>
       <p:pic>
         <p:nvPicPr>
-          <p:cNvPr id="6" name="Content Placeholder 3" descr="bigjob_azure.png"/>
+          <p:cNvPr id="5" name="Content Placeholder 4" descr="distributed_pilot_job.png"/>
           <p:cNvPicPr>
-            <a:picLocks noChangeAspect="1"/>
+            <a:picLocks noGrp="1" noChangeAspect="1"/>
           </p:cNvPicPr>
-          <p:nvPr/>
+          <p:nvPr>
+            <p:ph idx="1"/>
+          </p:nvPr>
         </p:nvPicPr>
         <p:blipFill>
           <a:blip r:embed="rId2"/>
-          <a:srcRect l="-5517" r="-5517"/>
-          <a:stretch>
-            <a:fillRect/>
-          </a:stretch>
-        </p:blipFill>
-        <p:spPr>
-          <a:xfrm>
-            <a:off x="3530600" y="3406757"/>
-            <a:ext cx="5600700" cy="3240006"/>
-          </a:xfrm>
-          <a:prstGeom prst="rect">
-            <a:avLst/>
-          </a:prstGeom>
-        </p:spPr>
-      </p:pic>
-      <p:pic>
-        <p:nvPicPr>
-          <p:cNvPr id="8" name="Content Placeholder 4" descr="distributed_pilot_job.png"/>
-          <p:cNvPicPr>
-            <a:picLocks noChangeAspect="1"/>
-          </p:cNvPicPr>
-          <p:nvPr/>
-        </p:nvPicPr>
-        <p:blipFill>
-          <a:blip r:embed="rId3"/>
           <a:srcRect t="-10678" b="-10678"/>
           <a:stretch>
             <a:fillRect/>
           </a:stretch>
         </p:blipFill>
-        <p:spPr>
-          <a:xfrm>
-            <a:off x="75323" y="2797938"/>
-            <a:ext cx="3623553" cy="2096226"/>
-          </a:xfrm>
-          <a:prstGeom prst="rect">
-            <a:avLst/>
-          </a:prstGeom>
-        </p:spPr>
+        <p:spPr/>
       </p:pic>
-      <p:cxnSp>
-        <p:nvCxnSpPr>
-          <p:cNvPr id="7" name="Elbow Connector 6"/>
-          <p:cNvCxnSpPr/>
-          <p:nvPr/>
-        </p:nvCxnSpPr>
-        <p:spPr>
-          <a:xfrm flipV="1">
-            <a:off x="430923" y="3852764"/>
-            <a:ext cx="5004677" cy="1041400"/>
-          </a:xfrm>
-          <a:prstGeom prst="bentConnector3">
-            <a:avLst>
-              <a:gd name="adj1" fmla="val 67002"/>
-            </a:avLst>
-          </a:prstGeom>
-          <a:ln>
-            <a:solidFill>
-              <a:schemeClr val="bg2">
-                <a:lumMod val="50000"/>
-              </a:schemeClr>
-            </a:solidFill>
-            <a:tailEnd type="triangle" w="lg"/>
-          </a:ln>
-        </p:spPr>
-        <p:style>
-          <a:lnRef idx="2">
-            <a:schemeClr val="accent1"/>
-          </a:lnRef>
-          <a:fillRef idx="0">
-            <a:schemeClr val="accent1"/>
-          </a:fillRef>
-          <a:effectRef idx="1">
-            <a:schemeClr val="accent1"/>
-          </a:effectRef>
-          <a:fontRef idx="minor">
-            <a:schemeClr val="tx1"/>
-          </a:fontRef>
-        </p:style>
-      </p:cxnSp>
-      <p:cxnSp>
-        <p:nvCxnSpPr>
-          <p:cNvPr id="25" name="Elbow Connector 24"/>
-          <p:cNvCxnSpPr/>
-          <p:nvPr/>
-        </p:nvCxnSpPr>
-        <p:spPr>
-          <a:xfrm rot="5400000">
-            <a:off x="253917" y="4715570"/>
-            <a:ext cx="355600" cy="1588"/>
-          </a:xfrm>
-          <a:prstGeom prst="bentConnector3">
-            <a:avLst>
-              <a:gd name="adj1" fmla="val 50000"/>
-            </a:avLst>
-          </a:prstGeom>
-          <a:ln>
-            <a:solidFill>
-              <a:schemeClr val="bg2">
-                <a:lumMod val="50000"/>
-              </a:schemeClr>
-            </a:solidFill>
-            <a:tailEnd type="triangle" w="lg"/>
-          </a:ln>
-        </p:spPr>
-        <p:style>
-          <a:lnRef idx="2">
-            <a:schemeClr val="accent1"/>
-          </a:lnRef>
-          <a:fillRef idx="0">
-            <a:schemeClr val="accent1"/>
-          </a:fillRef>
-          <a:effectRef idx="1">
-            <a:schemeClr val="accent1"/>
-          </a:effectRef>
-          <a:fontRef idx="minor">
-            <a:schemeClr val="tx1"/>
-          </a:fontRef>
-        </p:style>
-      </p:cxnSp>
     </p:spTree>
   </p:cSld>
   <p:clrMapOvr>
@@ -10179,10 +11101,35 @@
             <p:ph type="title"/>
           </p:nvPr>
         </p:nvSpPr>
+        <p:spPr/>
+        <p:txBody>
+          <a:bodyPr>
+            <a:normAutofit fontScale="90000"/>
+          </a:bodyPr>
+          <a:lstStyle/>
+          <a:p>
+            <a:r>
+              <a:rPr lang="en-US" smtClean="0"/>
+              <a:t>Azure: Using BigJob API and Coordinating Multiple Tasks</a:t>
+            </a:r>
+            <a:endParaRPr lang="en-US" dirty="0"/>
+          </a:p>
+        </p:txBody>
+      </p:sp>
+      <p:sp>
+        <p:nvSpPr>
+          <p:cNvPr id="5" name="Content Placeholder 4"/>
+          <p:cNvSpPr>
+            <a:spLocks noGrp="1"/>
+          </p:cNvSpPr>
+          <p:nvPr>
+            <p:ph idx="1"/>
+          </p:nvPr>
+        </p:nvSpPr>
         <p:spPr>
           <a:xfrm>
-            <a:off x="927100" y="263714"/>
-            <a:ext cx="8216900" cy="914400"/>
+            <a:off x="618247" y="1263180"/>
+            <a:ext cx="7966954" cy="4608884"/>
           </a:xfrm>
         </p:spPr>
         <p:txBody>
@@ -10192,8 +11139,187 @@
           <a:lstStyle/>
           <a:p>
             <a:r>
+              <a:rPr lang="en-US" sz="1800" dirty="0" smtClean="0"/>
+              <a:t>Azure </a:t>
+            </a:r>
+            <a:r>
+              <a:rPr lang="en-US" sz="1800" dirty="0" err="1" smtClean="0"/>
+              <a:t>BigJob</a:t>
+            </a:r>
+            <a:r>
+              <a:rPr lang="en-US" sz="1800" dirty="0" smtClean="0"/>
+              <a:t> scales well with the number of replicas. </a:t>
+            </a:r>
+          </a:p>
+          <a:p>
+            <a:pPr lvl="1"/>
+            <a:r>
+              <a:rPr lang="en-US" dirty="0" smtClean="0"/>
+              <a:t>AQS proved to be effective for coordination of replicas</a:t>
+            </a:r>
+          </a:p>
+          <a:p>
+            <a:r>
+              <a:rPr lang="en-US" sz="1800" dirty="0" smtClean="0"/>
+              <a:t>For same workload, comparable in performance to TG  </a:t>
+            </a:r>
+            <a:r>
+              <a:rPr lang="en-US" dirty="0" smtClean="0"/>
+              <a:t>BUT SIMPLER to implement</a:t>
+            </a:r>
+          </a:p>
+          <a:p>
+            <a:endParaRPr lang="en-US" sz="1800" dirty="0"/>
+          </a:p>
+        </p:txBody>
+      </p:sp>
+      <p:pic>
+        <p:nvPicPr>
+          <p:cNvPr id="6" name="Content Placeholder 3" descr="bigjob_azure.png"/>
+          <p:cNvPicPr>
+            <a:picLocks noChangeAspect="1"/>
+          </p:cNvPicPr>
+          <p:nvPr/>
+        </p:nvPicPr>
+        <p:blipFill>
+          <a:blip r:embed="rId2"/>
+          <a:srcRect l="-5517" r="-5517"/>
+          <a:stretch>
+            <a:fillRect/>
+          </a:stretch>
+        </p:blipFill>
+        <p:spPr>
+          <a:xfrm>
+            <a:off x="4432300" y="3432699"/>
+            <a:ext cx="4965700" cy="2872658"/>
+          </a:xfrm>
+          <a:prstGeom prst="rect">
+            <a:avLst/>
+          </a:prstGeom>
+        </p:spPr>
+      </p:pic>
+      <p:cxnSp>
+        <p:nvCxnSpPr>
+          <p:cNvPr id="25" name="Elbow Connector 24"/>
+          <p:cNvCxnSpPr/>
+          <p:nvPr/>
+        </p:nvCxnSpPr>
+        <p:spPr>
+          <a:xfrm rot="5400000">
+            <a:off x="253917" y="4715570"/>
+            <a:ext cx="355600" cy="1588"/>
+          </a:xfrm>
+          <a:prstGeom prst="bentConnector3">
+            <a:avLst>
+              <a:gd name="adj1" fmla="val 50000"/>
+            </a:avLst>
+          </a:prstGeom>
+          <a:ln>
+            <a:solidFill>
+              <a:schemeClr val="bg2">
+                <a:lumMod val="50000"/>
+              </a:schemeClr>
+            </a:solidFill>
+            <a:tailEnd type="triangle" w="lg"/>
+          </a:ln>
+        </p:spPr>
+        <p:style>
+          <a:lnRef idx="2">
+            <a:schemeClr val="accent1"/>
+          </a:lnRef>
+          <a:fillRef idx="0">
+            <a:schemeClr val="accent1"/>
+          </a:fillRef>
+          <a:effectRef idx="1">
+            <a:schemeClr val="accent1"/>
+          </a:effectRef>
+          <a:fontRef idx="minor">
+            <a:schemeClr val="tx1"/>
+          </a:fontRef>
+        </p:style>
+      </p:cxnSp>
+      <p:pic>
+        <p:nvPicPr>
+          <p:cNvPr id="9" name="Content Placeholder 3" descr="repex-azure.png"/>
+          <p:cNvPicPr>
+            <a:picLocks noChangeAspect="1"/>
+          </p:cNvPicPr>
+          <p:nvPr/>
+        </p:nvPicPr>
+        <p:blipFill>
+          <a:blip r:embed="rId3"/>
+          <a:srcRect l="-10403" r="-10403"/>
+          <a:stretch>
+            <a:fillRect/>
+          </a:stretch>
+        </p:blipFill>
+        <p:spPr>
+          <a:xfrm>
+            <a:off x="-190500" y="3482971"/>
+            <a:ext cx="4878799" cy="2822386"/>
+          </a:xfrm>
+          <a:prstGeom prst="rect">
+            <a:avLst/>
+          </a:prstGeom>
+        </p:spPr>
+      </p:pic>
+    </p:spTree>
+  </p:cSld>
+  <p:clrMapOvr>
+    <a:masterClrMapping/>
+  </p:clrMapOvr>
+  <p:timing>
+    <p:tnLst>
+      <p:par>
+        <p:cTn id="1" dur="indefinite" restart="never" nodeType="tmRoot"/>
+      </p:par>
+    </p:tnLst>
+  </p:timing>
+</p:sld>
+</file>
+
+<file path=ppt/slides/slide7.xml><?xml version="1.0" encoding="utf-8"?>
+<p:sld xmlns:a="http://schemas.openxmlformats.org/drawingml/2006/main" xmlns:r="http://schemas.openxmlformats.org/officeDocument/2006/relationships" xmlns:mc="http://schemas.openxmlformats.org/markup-compatibility/2006" xmlns:mv="urn:schemas-microsoft-com:mac:vml" xmlns:p="http://schemas.openxmlformats.org/presentationml/2006/main" mc:Ignorable="mv" mc:PreserveAttributes="mv:*">
+  <p:cSld>
+    <p:spTree>
+      <p:nvGrpSpPr>
+        <p:cNvPr id="1" name=""/>
+        <p:cNvGrpSpPr/>
+        <p:nvPr/>
+      </p:nvGrpSpPr>
+      <p:grpSpPr>
+        <a:xfrm>
+          <a:off x="0" y="0"/>
+          <a:ext cx="0" cy="0"/>
+          <a:chOff x="0" y="0"/>
+          <a:chExt cx="0" cy="0"/>
+        </a:xfrm>
+      </p:grpSpPr>
+      <p:sp>
+        <p:nvSpPr>
+          <p:cNvPr id="2" name="Title 1"/>
+          <p:cNvSpPr>
+            <a:spLocks noGrp="1"/>
+          </p:cNvSpPr>
+          <p:nvPr>
+            <p:ph type="title"/>
+          </p:nvPr>
+        </p:nvSpPr>
+        <p:spPr>
+          <a:xfrm>
+            <a:off x="927100" y="263714"/>
+            <a:ext cx="8216900" cy="914400"/>
+          </a:xfrm>
+        </p:spPr>
+        <p:txBody>
+          <a:bodyPr>
+            <a:normAutofit/>
+          </a:bodyPr>
+          <a:lstStyle/>
+          <a:p>
+            <a:r>
               <a:rPr lang="en-US" sz="2800" dirty="0" smtClean="0"/>
-              <a:t>Clouds: A Users Perspective</a:t>
+              <a:t>Clouds: A Bottom-Up Perspective</a:t>
             </a:r>
             <a:endParaRPr lang="en-US" sz="2667" dirty="0"/>
           </a:p>
@@ -10223,28 +11349,62 @@
           <a:p>
             <a:r>
               <a:rPr lang="en-US" sz="1800" dirty="0" smtClean="0"/>
-              <a:t>Nascent infrastructure do what Production DCI have not managed – easily or for the masses</a:t>
+              <a:t>Nascent infrastructure </a:t>
+            </a:r>
+            <a:r>
+              <a:rPr lang="en-US" sz="1800" dirty="0" smtClean="0"/>
+              <a:t>does what production </a:t>
+            </a:r>
+            <a:r>
+              <a:rPr lang="en-US" sz="1800" dirty="0" smtClean="0"/>
+              <a:t>DCI have not </a:t>
+            </a:r>
+            <a:r>
+              <a:rPr lang="en-US" sz="1800" dirty="0" smtClean="0"/>
+              <a:t>managed easily or </a:t>
+            </a:r>
+            <a:r>
+              <a:rPr lang="en-US" sz="1800" dirty="0" smtClean="0"/>
+              <a:t>for the </a:t>
+            </a:r>
+            <a:r>
+              <a:rPr lang="en-US" sz="1800" dirty="0" smtClean="0"/>
+              <a:t>masses (Joe Scientist </a:t>
+            </a:r>
+            <a:r>
+              <a:rPr lang="en-US" sz="1800" dirty="0" err="1" smtClean="0"/>
+              <a:t>vs</a:t>
+            </a:r>
+            <a:r>
+              <a:rPr lang="en-US" sz="1800" dirty="0" smtClean="0"/>
+              <a:t> $100M project) </a:t>
+            </a:r>
+            <a:endParaRPr lang="en-US" sz="1800" dirty="0" smtClean="0"/>
+          </a:p>
+          <a:p>
+            <a:pPr lvl="1"/>
+            <a:r>
+              <a:rPr lang="en-US" dirty="0" smtClean="0"/>
+              <a:t>Production </a:t>
+            </a:r>
+            <a:r>
+              <a:rPr lang="en-US" dirty="0" smtClean="0"/>
+              <a:t>DCI Confuse</a:t>
+            </a:r>
+            <a:r>
+              <a:rPr lang="en-US" dirty="0" smtClean="0"/>
+              <a:t> functionality </a:t>
+            </a:r>
+            <a:r>
+              <a:rPr lang="en-US" dirty="0" smtClean="0"/>
+              <a:t>with Usability</a:t>
             </a:r>
           </a:p>
           <a:p>
             <a:pPr lvl="2"/>
             <a:r>
               <a:rPr lang="en-US" dirty="0" smtClean="0"/>
-              <a:t>Simplicity is the Ultimate Sophistication:</a:t>
-            </a:r>
-          </a:p>
-          <a:p>
-            <a:pPr lvl="2"/>
-            <a:r>
-              <a:rPr lang="en-US" dirty="0" smtClean="0"/>
-              <a:t>Production DCI Confuse Functionality with Usability</a:t>
-            </a:r>
-          </a:p>
-          <a:p>
-            <a:pPr lvl="3"/>
-            <a:r>
-              <a:rPr lang="en-US" dirty="0" smtClean="0"/>
-              <a:t>While we as a community busy agenda pushing, </a:t>
+              <a:t>While we have  been pushing, </a:t>
             </a:r>
             <a:r>
               <a:rPr lang="en-US" dirty="0" err="1" smtClean="0"/>
@@ -10252,8 +11412,32 @@
             </a:r>
             <a:r>
               <a:rPr lang="en-US" dirty="0" smtClean="0"/>
-              <a:t>, middleware/software stacks (think EMI), most innovation in DC has come from  commercial sector!</a:t>
-            </a:r>
+              <a:t>, middleware/software stacks (think EMI), much innovation in DC has come from  commercial sector</a:t>
+            </a:r>
+            <a:r>
+              <a:rPr lang="en-US" dirty="0" smtClean="0"/>
+              <a:t>!</a:t>
+            </a:r>
+          </a:p>
+          <a:p>
+            <a:pPr lvl="1"/>
+            <a:r>
+              <a:rPr lang="en-US" dirty="0" smtClean="0"/>
+              <a:t>Simplicity is the </a:t>
+            </a:r>
+            <a:r>
+              <a:rPr lang="en-US" dirty="0" smtClean="0"/>
+              <a:t>Ultimate </a:t>
+            </a:r>
+            <a:r>
+              <a:rPr lang="en-US" dirty="0" smtClean="0"/>
+              <a:t>Sophistication</a:t>
+            </a:r>
+            <a:r>
+              <a:rPr lang="en-US" dirty="0" smtClean="0"/>
+              <a:t>:</a:t>
+            </a:r>
+            <a:endParaRPr lang="en-US" dirty="0" smtClean="0"/>
           </a:p>
           <a:p>
             <a:pPr lvl="0">
@@ -10273,9 +11457,85 @@
                   </a:prstClr>
                 </a:solidFill>
               </a:rPr>
-              <a:t>Have we lost intellectual leadership to commercial providers??</a:t>
-            </a:r>
-            <a:endParaRPr lang="en-US" sz="1800" dirty="0" smtClean="0"/>
+              <a:t>Data-</a:t>
+            </a:r>
+            <a:r>
+              <a:rPr lang="en-US" sz="1800" dirty="0" smtClean="0">
+                <a:solidFill>
+                  <a:prstClr val="black">
+                    <a:lumMod val="65000"/>
+                    <a:lumOff val="35000"/>
+                  </a:prstClr>
+                </a:solidFill>
+              </a:rPr>
+              <a:t>Intensive</a:t>
+            </a:r>
+            <a:r>
+              <a:rPr lang="en-US" sz="1800" dirty="0" smtClean="0">
+                <a:solidFill>
+                  <a:prstClr val="black">
+                    <a:lumMod val="65000"/>
+                    <a:lumOff val="35000"/>
+                  </a:prstClr>
+                </a:solidFill>
+              </a:rPr>
+              <a:t>:  Have we lost intellectual leadership to commercial/enterprise??</a:t>
+            </a:r>
+            <a:r>
+              <a:rPr lang="en-US" sz="1800" dirty="0" smtClean="0">
+                <a:solidFill>
+                  <a:prstClr val="black">
+                    <a:lumMod val="65000"/>
+                    <a:lumOff val="35000"/>
+                  </a:prstClr>
+                </a:solidFill>
+              </a:rPr>
+              <a:t> </a:t>
+            </a:r>
+          </a:p>
+          <a:p>
+            <a:pPr lvl="1">
+              <a:buClr>
+                <a:prstClr val="black">
+                  <a:lumMod val="75000"/>
+                  <a:lumOff val="25000"/>
+                </a:prstClr>
+              </a:buClr>
+            </a:pPr>
+            <a:r>
+              <a:rPr lang="en-US" dirty="0" smtClean="0">
+                <a:solidFill>
+                  <a:prstClr val="black">
+                    <a:lumMod val="65000"/>
+                    <a:lumOff val="35000"/>
+                  </a:prstClr>
+                </a:solidFill>
+              </a:rPr>
+              <a:t>It </a:t>
+            </a:r>
+            <a:r>
+              <a:rPr lang="en-US" dirty="0" smtClean="0">
+                <a:solidFill>
+                  <a:prstClr val="black">
+                    <a:lumMod val="65000"/>
+                    <a:lumOff val="35000"/>
+                  </a:prstClr>
+                </a:solidFill>
+              </a:rPr>
+              <a:t>used to be that we were solving </a:t>
+            </a:r>
+            <a:r>
+              <a:rPr lang="en-US" dirty="0" smtClean="0">
+                <a:solidFill>
+                  <a:prstClr val="black">
+                    <a:lumMod val="65000"/>
+                    <a:lumOff val="35000"/>
+                  </a:prstClr>
+                </a:solidFill>
+              </a:rPr>
+              <a:t>different problems, but now:</a:t>
+            </a:r>
+            <a:endParaRPr lang="en-US" dirty="0" smtClean="0"/>
           </a:p>
           <a:p>
             <a:pPr lvl="2"/>
@@ -10290,12 +11550,32 @@
               <a:rPr lang="en-US" dirty="0" smtClean="0"/>
               <a:t>They have more $$$ than us</a:t>
             </a:r>
+            <a:endParaRPr lang="en-US" dirty="0" smtClean="0"/>
           </a:p>
           <a:p>
             <a:pPr lvl="2"/>
             <a:r>
               <a:rPr lang="en-US" dirty="0" smtClean="0"/>
-              <a:t>They have better approach than us -- Infrastructure, Abstractions/Algorithmic (or at least the applications e.g., re-discovering </a:t>
+              <a:t>Do they have better approaches than us? </a:t>
+            </a:r>
+          </a:p>
+          <a:p>
+            <a:pPr lvl="3"/>
+            <a:r>
+              <a:rPr lang="en-US" dirty="0" smtClean="0"/>
+              <a:t>Infrastructure</a:t>
+            </a:r>
+            <a:r>
+              <a:rPr lang="en-US" dirty="0" smtClean="0"/>
+              <a:t>, </a:t>
+            </a:r>
+            <a:r>
+              <a:rPr lang="en-US" dirty="0" smtClean="0"/>
+              <a:t>Abstractions (</a:t>
+            </a:r>
+            <a:r>
+              <a:rPr lang="en-US" dirty="0" smtClean="0"/>
+              <a:t>or at least the applications e.g., re-discovering </a:t>
             </a:r>
             <a:r>
               <a:rPr lang="en-US" dirty="0" err="1" smtClean="0"/>
@@ -10303,11 +11583,198 @@
             </a:r>
             <a:r>
               <a:rPr lang="en-US" dirty="0" smtClean="0"/>
-              <a:t>) and Services </a:t>
-            </a:r>
+              <a:t>) </a:t>
+            </a:r>
+            <a:r>
+              <a:rPr lang="en-US" dirty="0" smtClean="0"/>
+              <a:t>and Services </a:t>
+            </a:r>
+            <a:endParaRPr lang="en-US" dirty="0" smtClean="0"/>
           </a:p>
         </p:txBody>
       </p:sp>
+    </p:spTree>
+  </p:cSld>
+  <p:clrMapOvr>
+    <a:masterClrMapping/>
+  </p:clrMapOvr>
+  <p:timing>
+    <p:tnLst>
+      <p:par>
+        <p:cTn id="1" dur="indefinite" restart="never" nodeType="tmRoot"/>
+      </p:par>
+    </p:tnLst>
+  </p:timing>
+</p:sld>
+</file>
+
+<file path=ppt/slides/slide8.xml><?xml version="1.0" encoding="utf-8"?>
+<p:sld xmlns:a="http://schemas.openxmlformats.org/drawingml/2006/main" xmlns:r="http://schemas.openxmlformats.org/officeDocument/2006/relationships" xmlns:mc="http://schemas.openxmlformats.org/markup-compatibility/2006" xmlns:mv="urn:schemas-microsoft-com:mac:vml" xmlns:p="http://schemas.openxmlformats.org/presentationml/2006/main" mc:Ignorable="mv" mc:PreserveAttributes="mv:*">
+  <p:cSld>
+    <p:spTree>
+      <p:nvGrpSpPr>
+        <p:cNvPr id="1" name=""/>
+        <p:cNvGrpSpPr/>
+        <p:nvPr/>
+      </p:nvGrpSpPr>
+      <p:grpSpPr>
+        <a:xfrm>
+          <a:off x="0" y="0"/>
+          <a:ext cx="0" cy="0"/>
+          <a:chOff x="0" y="0"/>
+          <a:chExt cx="0" cy="0"/>
+        </a:xfrm>
+      </p:grpSpPr>
+      <p:sp>
+        <p:nvSpPr>
+          <p:cNvPr id="2" name="Title 1"/>
+          <p:cNvSpPr>
+            <a:spLocks noGrp="1"/>
+          </p:cNvSpPr>
+          <p:nvPr>
+            <p:ph type="title"/>
+          </p:nvPr>
+        </p:nvSpPr>
+        <p:spPr>
+          <a:xfrm>
+            <a:off x="836377" y="263714"/>
+            <a:ext cx="8307623" cy="914400"/>
+          </a:xfrm>
+        </p:spPr>
+        <p:txBody>
+          <a:bodyPr>
+            <a:normAutofit/>
+          </a:bodyPr>
+          <a:lstStyle/>
+          <a:p>
+            <a:r>
+              <a:rPr lang="en-US" sz="2800" dirty="0" smtClean="0"/>
+              <a:t>Novel </a:t>
+            </a:r>
+            <a:r>
+              <a:rPr lang="en-US" sz="2800" dirty="0" smtClean="0"/>
+              <a:t>Execution Modes</a:t>
+            </a:r>
+            <a:endParaRPr lang="en-US" sz="2800" dirty="0"/>
+          </a:p>
+        </p:txBody>
+      </p:sp>
+      <p:pic>
+        <p:nvPicPr>
+          <p:cNvPr id="4" name="Content Placeholder 3" descr="8replica_scenario_grid_condor_cloud.png"/>
+          <p:cNvPicPr>
+            <a:picLocks noGrp="1" noChangeAspect="1"/>
+          </p:cNvPicPr>
+          <p:nvPr>
+            <p:ph sz="half" idx="1"/>
+          </p:nvPr>
+        </p:nvPicPr>
+        <p:blipFill>
+          <a:blip r:embed="rId2"/>
+          <a:srcRect t="-28996" b="-28996"/>
+          <a:stretch>
+            <a:fillRect/>
+          </a:stretch>
+        </p:blipFill>
+        <p:spPr>
+          <a:xfrm>
+            <a:off x="3985305" y="857272"/>
+            <a:ext cx="5021023" cy="4322519"/>
+          </a:xfrm>
+        </p:spPr>
+      </p:pic>
+      <p:pic>
+        <p:nvPicPr>
+          <p:cNvPr id="7" name="Content Placeholder 6" descr="deadline.png"/>
+          <p:cNvPicPr>
+            <a:picLocks noGrp="1" noChangeAspect="1"/>
+          </p:cNvPicPr>
+          <p:nvPr>
+            <p:ph sz="half" idx="2"/>
+          </p:nvPr>
+        </p:nvPicPr>
+        <p:blipFill>
+          <a:blip r:embed="rId3"/>
+          <a:srcRect t="-118806" b="-118806"/>
+          <a:stretch>
+            <a:fillRect/>
+          </a:stretch>
+        </p:blipFill>
+        <p:spPr>
+          <a:xfrm>
+            <a:off x="3918465" y="3769895"/>
+            <a:ext cx="5225535" cy="3960404"/>
+          </a:xfrm>
+        </p:spPr>
+      </p:pic>
+      <p:sp>
+        <p:nvSpPr>
+          <p:cNvPr id="11" name="Text Placeholder 10"/>
+          <p:cNvSpPr>
+            <a:spLocks noGrp="1"/>
+          </p:cNvSpPr>
+          <p:nvPr>
+            <p:ph type="body" sz="half" idx="4294967295"/>
+          </p:nvPr>
+        </p:nvSpPr>
+        <p:spPr>
+          <a:xfrm>
+            <a:off x="173784" y="3127368"/>
+            <a:ext cx="4067360" cy="3811504"/>
+          </a:xfrm>
+        </p:spPr>
+        <p:txBody>
+          <a:bodyPr/>
+          <a:lstStyle/>
+          <a:p>
+            <a:r>
+              <a:rPr lang="en-US" dirty="0" smtClean="0"/>
+              <a:t>Scale</a:t>
+            </a:r>
+            <a:r>
+              <a:rPr lang="en-US" dirty="0" smtClean="0"/>
+              <a:t>-out enable new ways of resource planning and application execution</a:t>
+            </a:r>
+          </a:p>
+          <a:p>
+            <a:r>
+              <a:rPr lang="en-US" dirty="0" smtClean="0"/>
+              <a:t>Deadline-driven scheduling:  e.g., task done before time T</a:t>
+            </a:r>
+          </a:p>
+          <a:p>
+            <a:r>
+              <a:rPr lang="en-US" dirty="0" smtClean="0"/>
+              <a:t>Adapt workload distribution and resource utilization to ensure completion</a:t>
+            </a:r>
+          </a:p>
+        </p:txBody>
+      </p:sp>
+      <p:pic>
+        <p:nvPicPr>
+          <p:cNvPr id="9" name="Content Placeholder 3" descr="distributed_pilot_job.png"/>
+          <p:cNvPicPr>
+            <a:picLocks noChangeAspect="1"/>
+          </p:cNvPicPr>
+          <p:nvPr/>
+        </p:nvPicPr>
+        <p:blipFill>
+          <a:blip r:embed="rId4"/>
+          <a:srcRect l="-7759" r="-7759"/>
+          <a:stretch>
+            <a:fillRect/>
+          </a:stretch>
+        </p:blipFill>
+        <p:spPr>
+          <a:xfrm>
+            <a:off x="649225" y="1224194"/>
+            <a:ext cx="2872729" cy="1661874"/>
+          </a:xfrm>
+          <a:prstGeom prst="rect">
+            <a:avLst/>
+          </a:prstGeom>
+        </p:spPr>
+      </p:pic>
     </p:spTree>
   </p:cSld>
   <p:clrMapOvr>
